--- a/ComGraphics/SP2 presentation.pptx
+++ b/ComGraphics/SP2 presentation.pptx
@@ -21,6 +21,19 @@
     <p:sldId id="266" r:id="rId15"/>
     <p:sldId id="267" r:id="rId16"/>
     <p:sldId id="268" r:id="rId17"/>
+    <p:sldId id="269" r:id="rId18"/>
+    <p:sldId id="270" r:id="rId19"/>
+    <p:sldId id="271" r:id="rId20"/>
+    <p:sldId id="272" r:id="rId21"/>
+    <p:sldId id="273" r:id="rId22"/>
+    <p:sldId id="274" r:id="rId23"/>
+    <p:sldId id="275" r:id="rId24"/>
+    <p:sldId id="276" r:id="rId25"/>
+    <p:sldId id="277" r:id="rId26"/>
+    <p:sldId id="278" r:id="rId27"/>
+    <p:sldId id="279" r:id="rId28"/>
+    <p:sldId id="280" r:id="rId29"/>
+    <p:sldId id="281" r:id="rId30"/>
   </p:sldIdLst>
   <p:sldSz cy="5143500" cx="9144000"/>
   <p:notesSz cx="6858000" cy="9144000"/>
@@ -691,7 +704,7 @@
         <p:spPr>
           <a:xfrm>
             <a:off x="381300" y="685800"/>
-            <a:ext cx="6096000" cy="3429000"/>
+            <a:ext cx="6096075" cy="3429000"/>
           </a:xfrm>
           <a:custGeom>
             <a:pathLst>
@@ -763,7 +776,7 @@
   <p:cSld>
     <p:spTree>
       <p:nvGrpSpPr>
-        <p:cNvPr id="120" name="Shape 120"/>
+        <p:cNvPr id="121" name="Shape 121"/>
         <p:cNvGrpSpPr/>
         <p:nvPr/>
       </p:nvGrpSpPr>
@@ -777,7 +790,7 @@
       </p:grpSpPr>
       <p:sp>
         <p:nvSpPr>
-          <p:cNvPr id="121" name="Shape 121"/>
+          <p:cNvPr id="122" name="Shape 122"/>
           <p:cNvSpPr/>
           <p:nvPr>
             <p:ph idx="2" type="sldImg"/>
@@ -811,7 +824,577 @@
       </p:sp>
       <p:sp>
         <p:nvSpPr>
-          <p:cNvPr id="122" name="Shape 122"/>
+          <p:cNvPr id="123" name="Shape 123"/>
+          <p:cNvSpPr txBox="1"/>
+          <p:nvPr>
+            <p:ph idx="1" type="body"/>
+          </p:nvPr>
+        </p:nvSpPr>
+        <p:spPr>
+          <a:xfrm>
+            <a:off x="685800" y="4343400"/>
+            <a:ext cx="5486400" cy="4114800"/>
+          </a:xfrm>
+          <a:prstGeom prst="rect">
+            <a:avLst/>
+          </a:prstGeom>
+        </p:spPr>
+        <p:txBody>
+          <a:bodyPr anchorCtr="0" anchor="t" bIns="91425" lIns="91425" rIns="91425" tIns="91425">
+            <a:noAutofit/>
+          </a:bodyPr>
+          <a:lstStyle/>
+          <a:p>
+            <a:pPr lvl="0">
+              <a:spcBef>
+                <a:spcPts val="0"/>
+              </a:spcBef>
+              <a:buNone/>
+            </a:pPr>
+            <a:r>
+              <a:t/>
+            </a:r>
+            <a:endParaRPr/>
+          </a:p>
+        </p:txBody>
+      </p:sp>
+    </p:spTree>
+  </p:cSld>
+  <p:clrMapOvr>
+    <a:masterClrMapping/>
+  </p:clrMapOvr>
+</p:notes>
+</file>
+
+<file path=ppt/notesSlides/notesSlide14.xml><?xml version="1.0" encoding="utf-8"?>
+<p:notes xmlns:a="http://schemas.openxmlformats.org/drawingml/2006/main" xmlns:r="http://schemas.openxmlformats.org/officeDocument/2006/relationships" xmlns:mc="http://schemas.openxmlformats.org/markup-compatibility/2006" xmlns:mv="urn:schemas-microsoft-com:mac:vml" xmlns:p="http://schemas.openxmlformats.org/presentationml/2006/main" xmlns:c="http://schemas.openxmlformats.org/drawingml/2006/chart" xmlns:dgm="http://schemas.openxmlformats.org/drawingml/2006/diagram" xmlns:o="urn:schemas-microsoft-com:office:office" xmlns:v="urn:schemas-microsoft-com:vml" xmlns:pvml="urn:schemas-microsoft-com:office:powerpoint" xmlns:com="http://schemas.openxmlformats.org/drawingml/2006/compatibility" xmlns:p14="http://schemas.microsoft.com/office/powerpoint/2010/main" showMasterPhAnim="0" showMasterSp="0">
+  <p:cSld>
+    <p:spTree>
+      <p:nvGrpSpPr>
+        <p:cNvPr id="127" name="Shape 127"/>
+        <p:cNvGrpSpPr/>
+        <p:nvPr/>
+      </p:nvGrpSpPr>
+      <p:grpSpPr>
+        <a:xfrm>
+          <a:off x="0" y="0"/>
+          <a:ext cx="0" cy="0"/>
+          <a:chOff x="0" y="0"/>
+          <a:chExt cx="0" cy="0"/>
+        </a:xfrm>
+      </p:grpSpPr>
+      <p:sp>
+        <p:nvSpPr>
+          <p:cNvPr id="128" name="Shape 128"/>
+          <p:cNvSpPr/>
+          <p:nvPr>
+            <p:ph idx="2" type="sldImg"/>
+          </p:nvPr>
+        </p:nvSpPr>
+        <p:spPr>
+          <a:xfrm>
+            <a:off x="381300" y="685800"/>
+            <a:ext cx="6096000" cy="3429000"/>
+          </a:xfrm>
+          <a:custGeom>
+            <a:pathLst>
+              <a:path extrusionOk="0" h="120000" w="120000">
+                <a:moveTo>
+                  <a:pt x="0" y="0"/>
+                </a:moveTo>
+                <a:lnTo>
+                  <a:pt x="120000" y="0"/>
+                </a:lnTo>
+                <a:lnTo>
+                  <a:pt x="120000" y="120000"/>
+                </a:lnTo>
+                <a:lnTo>
+                  <a:pt x="0" y="120000"/>
+                </a:lnTo>
+                <a:close/>
+              </a:path>
+            </a:pathLst>
+          </a:custGeom>
+        </p:spPr>
+      </p:sp>
+      <p:sp>
+        <p:nvSpPr>
+          <p:cNvPr id="129" name="Shape 129"/>
+          <p:cNvSpPr txBox="1"/>
+          <p:nvPr>
+            <p:ph idx="1" type="body"/>
+          </p:nvPr>
+        </p:nvSpPr>
+        <p:spPr>
+          <a:xfrm>
+            <a:off x="685800" y="4343400"/>
+            <a:ext cx="5486400" cy="4114800"/>
+          </a:xfrm>
+          <a:prstGeom prst="rect">
+            <a:avLst/>
+          </a:prstGeom>
+        </p:spPr>
+        <p:txBody>
+          <a:bodyPr anchorCtr="0" anchor="t" bIns="91425" lIns="91425" rIns="91425" tIns="91425">
+            <a:noAutofit/>
+          </a:bodyPr>
+          <a:lstStyle/>
+          <a:p>
+            <a:pPr lvl="0">
+              <a:spcBef>
+                <a:spcPts val="0"/>
+              </a:spcBef>
+              <a:buNone/>
+            </a:pPr>
+            <a:r>
+              <a:t/>
+            </a:r>
+            <a:endParaRPr/>
+          </a:p>
+        </p:txBody>
+      </p:sp>
+    </p:spTree>
+  </p:cSld>
+  <p:clrMapOvr>
+    <a:masterClrMapping/>
+  </p:clrMapOvr>
+</p:notes>
+</file>
+
+<file path=ppt/notesSlides/notesSlide15.xml><?xml version="1.0" encoding="utf-8"?>
+<p:notes xmlns:a="http://schemas.openxmlformats.org/drawingml/2006/main" xmlns:r="http://schemas.openxmlformats.org/officeDocument/2006/relationships" xmlns:mc="http://schemas.openxmlformats.org/markup-compatibility/2006" xmlns:mv="urn:schemas-microsoft-com:mac:vml" xmlns:p="http://schemas.openxmlformats.org/presentationml/2006/main" xmlns:c="http://schemas.openxmlformats.org/drawingml/2006/chart" xmlns:dgm="http://schemas.openxmlformats.org/drawingml/2006/diagram" xmlns:o="urn:schemas-microsoft-com:office:office" xmlns:v="urn:schemas-microsoft-com:vml" xmlns:pvml="urn:schemas-microsoft-com:office:powerpoint" xmlns:com="http://schemas.openxmlformats.org/drawingml/2006/compatibility" xmlns:p14="http://schemas.microsoft.com/office/powerpoint/2010/main" showMasterPhAnim="0" showMasterSp="0">
+  <p:cSld>
+    <p:spTree>
+      <p:nvGrpSpPr>
+        <p:cNvPr id="133" name="Shape 133"/>
+        <p:cNvGrpSpPr/>
+        <p:nvPr/>
+      </p:nvGrpSpPr>
+      <p:grpSpPr>
+        <a:xfrm>
+          <a:off x="0" y="0"/>
+          <a:ext cx="0" cy="0"/>
+          <a:chOff x="0" y="0"/>
+          <a:chExt cx="0" cy="0"/>
+        </a:xfrm>
+      </p:grpSpPr>
+      <p:sp>
+        <p:nvSpPr>
+          <p:cNvPr id="134" name="Shape 134"/>
+          <p:cNvSpPr/>
+          <p:nvPr>
+            <p:ph idx="2" type="sldImg"/>
+          </p:nvPr>
+        </p:nvSpPr>
+        <p:spPr>
+          <a:xfrm>
+            <a:off x="381300" y="685800"/>
+            <a:ext cx="6096000" cy="3429000"/>
+          </a:xfrm>
+          <a:custGeom>
+            <a:pathLst>
+              <a:path extrusionOk="0" h="120000" w="120000">
+                <a:moveTo>
+                  <a:pt x="0" y="0"/>
+                </a:moveTo>
+                <a:lnTo>
+                  <a:pt x="120000" y="0"/>
+                </a:lnTo>
+                <a:lnTo>
+                  <a:pt x="120000" y="120000"/>
+                </a:lnTo>
+                <a:lnTo>
+                  <a:pt x="0" y="120000"/>
+                </a:lnTo>
+                <a:close/>
+              </a:path>
+            </a:pathLst>
+          </a:custGeom>
+        </p:spPr>
+      </p:sp>
+      <p:sp>
+        <p:nvSpPr>
+          <p:cNvPr id="135" name="Shape 135"/>
+          <p:cNvSpPr txBox="1"/>
+          <p:nvPr>
+            <p:ph idx="1" type="body"/>
+          </p:nvPr>
+        </p:nvSpPr>
+        <p:spPr>
+          <a:xfrm>
+            <a:off x="685800" y="4343400"/>
+            <a:ext cx="5486400" cy="4114800"/>
+          </a:xfrm>
+          <a:prstGeom prst="rect">
+            <a:avLst/>
+          </a:prstGeom>
+        </p:spPr>
+        <p:txBody>
+          <a:bodyPr anchorCtr="0" anchor="t" bIns="91425" lIns="91425" rIns="91425" tIns="91425">
+            <a:noAutofit/>
+          </a:bodyPr>
+          <a:lstStyle/>
+          <a:p>
+            <a:pPr lvl="0">
+              <a:spcBef>
+                <a:spcPts val="0"/>
+              </a:spcBef>
+              <a:buNone/>
+            </a:pPr>
+            <a:r>
+              <a:t/>
+            </a:r>
+            <a:endParaRPr/>
+          </a:p>
+        </p:txBody>
+      </p:sp>
+    </p:spTree>
+  </p:cSld>
+  <p:clrMapOvr>
+    <a:masterClrMapping/>
+  </p:clrMapOvr>
+</p:notes>
+</file>
+
+<file path=ppt/notesSlides/notesSlide16.xml><?xml version="1.0" encoding="utf-8"?>
+<p:notes xmlns:a="http://schemas.openxmlformats.org/drawingml/2006/main" xmlns:r="http://schemas.openxmlformats.org/officeDocument/2006/relationships" xmlns:mc="http://schemas.openxmlformats.org/markup-compatibility/2006" xmlns:mv="urn:schemas-microsoft-com:mac:vml" xmlns:p="http://schemas.openxmlformats.org/presentationml/2006/main" xmlns:c="http://schemas.openxmlformats.org/drawingml/2006/chart" xmlns:dgm="http://schemas.openxmlformats.org/drawingml/2006/diagram" xmlns:o="urn:schemas-microsoft-com:office:office" xmlns:v="urn:schemas-microsoft-com:vml" xmlns:pvml="urn:schemas-microsoft-com:office:powerpoint" xmlns:com="http://schemas.openxmlformats.org/drawingml/2006/compatibility" xmlns:p14="http://schemas.microsoft.com/office/powerpoint/2010/main" showMasterPhAnim="0" showMasterSp="0">
+  <p:cSld>
+    <p:spTree>
+      <p:nvGrpSpPr>
+        <p:cNvPr id="139" name="Shape 139"/>
+        <p:cNvGrpSpPr/>
+        <p:nvPr/>
+      </p:nvGrpSpPr>
+      <p:grpSpPr>
+        <a:xfrm>
+          <a:off x="0" y="0"/>
+          <a:ext cx="0" cy="0"/>
+          <a:chOff x="0" y="0"/>
+          <a:chExt cx="0" cy="0"/>
+        </a:xfrm>
+      </p:grpSpPr>
+      <p:sp>
+        <p:nvSpPr>
+          <p:cNvPr id="140" name="Shape 140"/>
+          <p:cNvSpPr/>
+          <p:nvPr>
+            <p:ph idx="2" type="sldImg"/>
+          </p:nvPr>
+        </p:nvSpPr>
+        <p:spPr>
+          <a:xfrm>
+            <a:off x="381300" y="685800"/>
+            <a:ext cx="6096000" cy="3429000"/>
+          </a:xfrm>
+          <a:custGeom>
+            <a:pathLst>
+              <a:path extrusionOk="0" h="120000" w="120000">
+                <a:moveTo>
+                  <a:pt x="0" y="0"/>
+                </a:moveTo>
+                <a:lnTo>
+                  <a:pt x="120000" y="0"/>
+                </a:lnTo>
+                <a:lnTo>
+                  <a:pt x="120000" y="120000"/>
+                </a:lnTo>
+                <a:lnTo>
+                  <a:pt x="0" y="120000"/>
+                </a:lnTo>
+                <a:close/>
+              </a:path>
+            </a:pathLst>
+          </a:custGeom>
+        </p:spPr>
+      </p:sp>
+      <p:sp>
+        <p:nvSpPr>
+          <p:cNvPr id="141" name="Shape 141"/>
+          <p:cNvSpPr txBox="1"/>
+          <p:nvPr>
+            <p:ph idx="1" type="body"/>
+          </p:nvPr>
+        </p:nvSpPr>
+        <p:spPr>
+          <a:xfrm>
+            <a:off x="685800" y="4343400"/>
+            <a:ext cx="5486400" cy="4114800"/>
+          </a:xfrm>
+          <a:prstGeom prst="rect">
+            <a:avLst/>
+          </a:prstGeom>
+        </p:spPr>
+        <p:txBody>
+          <a:bodyPr anchorCtr="0" anchor="t" bIns="91425" lIns="91425" rIns="91425" tIns="91425">
+            <a:noAutofit/>
+          </a:bodyPr>
+          <a:lstStyle/>
+          <a:p>
+            <a:pPr lvl="0">
+              <a:spcBef>
+                <a:spcPts val="0"/>
+              </a:spcBef>
+              <a:buNone/>
+            </a:pPr>
+            <a:r>
+              <a:t/>
+            </a:r>
+            <a:endParaRPr/>
+          </a:p>
+        </p:txBody>
+      </p:sp>
+    </p:spTree>
+  </p:cSld>
+  <p:clrMapOvr>
+    <a:masterClrMapping/>
+  </p:clrMapOvr>
+</p:notes>
+</file>
+
+<file path=ppt/notesSlides/notesSlide17.xml><?xml version="1.0" encoding="utf-8"?>
+<p:notes xmlns:a="http://schemas.openxmlformats.org/drawingml/2006/main" xmlns:r="http://schemas.openxmlformats.org/officeDocument/2006/relationships" xmlns:mc="http://schemas.openxmlformats.org/markup-compatibility/2006" xmlns:mv="urn:schemas-microsoft-com:mac:vml" xmlns:p="http://schemas.openxmlformats.org/presentationml/2006/main" xmlns:c="http://schemas.openxmlformats.org/drawingml/2006/chart" xmlns:dgm="http://schemas.openxmlformats.org/drawingml/2006/diagram" xmlns:o="urn:schemas-microsoft-com:office:office" xmlns:v="urn:schemas-microsoft-com:vml" xmlns:pvml="urn:schemas-microsoft-com:office:powerpoint" xmlns:com="http://schemas.openxmlformats.org/drawingml/2006/compatibility" xmlns:p14="http://schemas.microsoft.com/office/powerpoint/2010/main" showMasterPhAnim="0" showMasterSp="0">
+  <p:cSld>
+    <p:spTree>
+      <p:nvGrpSpPr>
+        <p:cNvPr id="145" name="Shape 145"/>
+        <p:cNvGrpSpPr/>
+        <p:nvPr/>
+      </p:nvGrpSpPr>
+      <p:grpSpPr>
+        <a:xfrm>
+          <a:off x="0" y="0"/>
+          <a:ext cx="0" cy="0"/>
+          <a:chOff x="0" y="0"/>
+          <a:chExt cx="0" cy="0"/>
+        </a:xfrm>
+      </p:grpSpPr>
+      <p:sp>
+        <p:nvSpPr>
+          <p:cNvPr id="146" name="Shape 146"/>
+          <p:cNvSpPr/>
+          <p:nvPr>
+            <p:ph idx="2" type="sldImg"/>
+          </p:nvPr>
+        </p:nvSpPr>
+        <p:spPr>
+          <a:xfrm>
+            <a:off x="381300" y="685800"/>
+            <a:ext cx="6096000" cy="3429000"/>
+          </a:xfrm>
+          <a:custGeom>
+            <a:pathLst>
+              <a:path extrusionOk="0" h="120000" w="120000">
+                <a:moveTo>
+                  <a:pt x="0" y="0"/>
+                </a:moveTo>
+                <a:lnTo>
+                  <a:pt x="120000" y="0"/>
+                </a:lnTo>
+                <a:lnTo>
+                  <a:pt x="120000" y="120000"/>
+                </a:lnTo>
+                <a:lnTo>
+                  <a:pt x="0" y="120000"/>
+                </a:lnTo>
+                <a:close/>
+              </a:path>
+            </a:pathLst>
+          </a:custGeom>
+        </p:spPr>
+      </p:sp>
+      <p:sp>
+        <p:nvSpPr>
+          <p:cNvPr id="147" name="Shape 147"/>
+          <p:cNvSpPr txBox="1"/>
+          <p:nvPr>
+            <p:ph idx="1" type="body"/>
+          </p:nvPr>
+        </p:nvSpPr>
+        <p:spPr>
+          <a:xfrm>
+            <a:off x="685800" y="4343400"/>
+            <a:ext cx="5486400" cy="4114800"/>
+          </a:xfrm>
+          <a:prstGeom prst="rect">
+            <a:avLst/>
+          </a:prstGeom>
+        </p:spPr>
+        <p:txBody>
+          <a:bodyPr anchorCtr="0" anchor="t" bIns="91425" lIns="91425" rIns="91425" tIns="91425">
+            <a:noAutofit/>
+          </a:bodyPr>
+          <a:lstStyle/>
+          <a:p>
+            <a:pPr lvl="0">
+              <a:spcBef>
+                <a:spcPts val="0"/>
+              </a:spcBef>
+              <a:buNone/>
+            </a:pPr>
+            <a:r>
+              <a:t/>
+            </a:r>
+            <a:endParaRPr/>
+          </a:p>
+        </p:txBody>
+      </p:sp>
+    </p:spTree>
+  </p:cSld>
+  <p:clrMapOvr>
+    <a:masterClrMapping/>
+  </p:clrMapOvr>
+</p:notes>
+</file>
+
+<file path=ppt/notesSlides/notesSlide18.xml><?xml version="1.0" encoding="utf-8"?>
+<p:notes xmlns:a="http://schemas.openxmlformats.org/drawingml/2006/main" xmlns:r="http://schemas.openxmlformats.org/officeDocument/2006/relationships" xmlns:mc="http://schemas.openxmlformats.org/markup-compatibility/2006" xmlns:mv="urn:schemas-microsoft-com:mac:vml" xmlns:p="http://schemas.openxmlformats.org/presentationml/2006/main" xmlns:c="http://schemas.openxmlformats.org/drawingml/2006/chart" xmlns:dgm="http://schemas.openxmlformats.org/drawingml/2006/diagram" xmlns:o="urn:schemas-microsoft-com:office:office" xmlns:v="urn:schemas-microsoft-com:vml" xmlns:pvml="urn:schemas-microsoft-com:office:powerpoint" xmlns:com="http://schemas.openxmlformats.org/drawingml/2006/compatibility" xmlns:p14="http://schemas.microsoft.com/office/powerpoint/2010/main" showMasterPhAnim="0" showMasterSp="0">
+  <p:cSld>
+    <p:spTree>
+      <p:nvGrpSpPr>
+        <p:cNvPr id="151" name="Shape 151"/>
+        <p:cNvGrpSpPr/>
+        <p:nvPr/>
+      </p:nvGrpSpPr>
+      <p:grpSpPr>
+        <a:xfrm>
+          <a:off x="0" y="0"/>
+          <a:ext cx="0" cy="0"/>
+          <a:chOff x="0" y="0"/>
+          <a:chExt cx="0" cy="0"/>
+        </a:xfrm>
+      </p:grpSpPr>
+      <p:sp>
+        <p:nvSpPr>
+          <p:cNvPr id="152" name="Shape 152"/>
+          <p:cNvSpPr/>
+          <p:nvPr>
+            <p:ph idx="2" type="sldImg"/>
+          </p:nvPr>
+        </p:nvSpPr>
+        <p:spPr>
+          <a:xfrm>
+            <a:off x="381300" y="685800"/>
+            <a:ext cx="6096000" cy="3429000"/>
+          </a:xfrm>
+          <a:custGeom>
+            <a:pathLst>
+              <a:path extrusionOk="0" h="120000" w="120000">
+                <a:moveTo>
+                  <a:pt x="0" y="0"/>
+                </a:moveTo>
+                <a:lnTo>
+                  <a:pt x="120000" y="0"/>
+                </a:lnTo>
+                <a:lnTo>
+                  <a:pt x="120000" y="120000"/>
+                </a:lnTo>
+                <a:lnTo>
+                  <a:pt x="0" y="120000"/>
+                </a:lnTo>
+                <a:close/>
+              </a:path>
+            </a:pathLst>
+          </a:custGeom>
+        </p:spPr>
+      </p:sp>
+      <p:sp>
+        <p:nvSpPr>
+          <p:cNvPr id="153" name="Shape 153"/>
+          <p:cNvSpPr txBox="1"/>
+          <p:nvPr>
+            <p:ph idx="1" type="body"/>
+          </p:nvPr>
+        </p:nvSpPr>
+        <p:spPr>
+          <a:xfrm>
+            <a:off x="685800" y="4343400"/>
+            <a:ext cx="5486400" cy="4114800"/>
+          </a:xfrm>
+          <a:prstGeom prst="rect">
+            <a:avLst/>
+          </a:prstGeom>
+        </p:spPr>
+        <p:txBody>
+          <a:bodyPr anchorCtr="0" anchor="t" bIns="91425" lIns="91425" rIns="91425" tIns="91425">
+            <a:noAutofit/>
+          </a:bodyPr>
+          <a:lstStyle/>
+          <a:p>
+            <a:pPr lvl="0">
+              <a:spcBef>
+                <a:spcPts val="0"/>
+              </a:spcBef>
+              <a:buNone/>
+            </a:pPr>
+            <a:r>
+              <a:t/>
+            </a:r>
+            <a:endParaRPr/>
+          </a:p>
+        </p:txBody>
+      </p:sp>
+    </p:spTree>
+  </p:cSld>
+  <p:clrMapOvr>
+    <a:masterClrMapping/>
+  </p:clrMapOvr>
+</p:notes>
+</file>
+
+<file path=ppt/notesSlides/notesSlide19.xml><?xml version="1.0" encoding="utf-8"?>
+<p:notes xmlns:a="http://schemas.openxmlformats.org/drawingml/2006/main" xmlns:r="http://schemas.openxmlformats.org/officeDocument/2006/relationships" xmlns:mc="http://schemas.openxmlformats.org/markup-compatibility/2006" xmlns:mv="urn:schemas-microsoft-com:mac:vml" xmlns:p="http://schemas.openxmlformats.org/presentationml/2006/main" xmlns:c="http://schemas.openxmlformats.org/drawingml/2006/chart" xmlns:dgm="http://schemas.openxmlformats.org/drawingml/2006/diagram" xmlns:o="urn:schemas-microsoft-com:office:office" xmlns:v="urn:schemas-microsoft-com:vml" xmlns:pvml="urn:schemas-microsoft-com:office:powerpoint" xmlns:com="http://schemas.openxmlformats.org/drawingml/2006/compatibility" xmlns:p14="http://schemas.microsoft.com/office/powerpoint/2010/main" showMasterPhAnim="0" showMasterSp="0">
+  <p:cSld>
+    <p:spTree>
+      <p:nvGrpSpPr>
+        <p:cNvPr id="157" name="Shape 157"/>
+        <p:cNvGrpSpPr/>
+        <p:nvPr/>
+      </p:nvGrpSpPr>
+      <p:grpSpPr>
+        <a:xfrm>
+          <a:off x="0" y="0"/>
+          <a:ext cx="0" cy="0"/>
+          <a:chOff x="0" y="0"/>
+          <a:chExt cx="0" cy="0"/>
+        </a:xfrm>
+      </p:grpSpPr>
+      <p:sp>
+        <p:nvSpPr>
+          <p:cNvPr id="158" name="Shape 158"/>
+          <p:cNvSpPr/>
+          <p:nvPr>
+            <p:ph idx="2" type="sldImg"/>
+          </p:nvPr>
+        </p:nvSpPr>
+        <p:spPr>
+          <a:xfrm>
+            <a:off x="381300" y="685800"/>
+            <a:ext cx="6096000" cy="3429000"/>
+          </a:xfrm>
+          <a:custGeom>
+            <a:pathLst>
+              <a:path extrusionOk="0" h="120000" w="120000">
+                <a:moveTo>
+                  <a:pt x="0" y="0"/>
+                </a:moveTo>
+                <a:lnTo>
+                  <a:pt x="120000" y="0"/>
+                </a:lnTo>
+                <a:lnTo>
+                  <a:pt x="120000" y="120000"/>
+                </a:lnTo>
+                <a:lnTo>
+                  <a:pt x="0" y="120000"/>
+                </a:lnTo>
+                <a:close/>
+              </a:path>
+            </a:pathLst>
+          </a:custGeom>
+        </p:spPr>
+      </p:sp>
+      <p:sp>
+        <p:nvSpPr>
+          <p:cNvPr id="159" name="Shape 159"/>
           <p:cNvSpPr txBox="1"/>
           <p:nvPr>
             <p:ph idx="1" type="body"/>
@@ -907,6 +1490,671 @@
       <p:sp>
         <p:nvSpPr>
           <p:cNvPr id="58" name="Shape 58"/>
+          <p:cNvSpPr txBox="1"/>
+          <p:nvPr>
+            <p:ph idx="1" type="body"/>
+          </p:nvPr>
+        </p:nvSpPr>
+        <p:spPr>
+          <a:xfrm>
+            <a:off x="685800" y="4343400"/>
+            <a:ext cx="5486400" cy="4114800"/>
+          </a:xfrm>
+          <a:prstGeom prst="rect">
+            <a:avLst/>
+          </a:prstGeom>
+        </p:spPr>
+        <p:txBody>
+          <a:bodyPr anchorCtr="0" anchor="t" bIns="91425" lIns="91425" rIns="91425" tIns="91425">
+            <a:noAutofit/>
+          </a:bodyPr>
+          <a:lstStyle/>
+          <a:p>
+            <a:pPr lvl="0">
+              <a:spcBef>
+                <a:spcPts val="0"/>
+              </a:spcBef>
+              <a:buNone/>
+            </a:pPr>
+            <a:r>
+              <a:t/>
+            </a:r>
+            <a:endParaRPr/>
+          </a:p>
+        </p:txBody>
+      </p:sp>
+    </p:spTree>
+  </p:cSld>
+  <p:clrMapOvr>
+    <a:masterClrMapping/>
+  </p:clrMapOvr>
+</p:notes>
+</file>
+
+<file path=ppt/notesSlides/notesSlide20.xml><?xml version="1.0" encoding="utf-8"?>
+<p:notes xmlns:a="http://schemas.openxmlformats.org/drawingml/2006/main" xmlns:r="http://schemas.openxmlformats.org/officeDocument/2006/relationships" xmlns:mc="http://schemas.openxmlformats.org/markup-compatibility/2006" xmlns:mv="urn:schemas-microsoft-com:mac:vml" xmlns:p="http://schemas.openxmlformats.org/presentationml/2006/main" xmlns:c="http://schemas.openxmlformats.org/drawingml/2006/chart" xmlns:dgm="http://schemas.openxmlformats.org/drawingml/2006/diagram" xmlns:o="urn:schemas-microsoft-com:office:office" xmlns:v="urn:schemas-microsoft-com:vml" xmlns:pvml="urn:schemas-microsoft-com:office:powerpoint" xmlns:com="http://schemas.openxmlformats.org/drawingml/2006/compatibility" xmlns:p14="http://schemas.microsoft.com/office/powerpoint/2010/main" showMasterPhAnim="0" showMasterSp="0">
+  <p:cSld>
+    <p:spTree>
+      <p:nvGrpSpPr>
+        <p:cNvPr id="163" name="Shape 163"/>
+        <p:cNvGrpSpPr/>
+        <p:nvPr/>
+      </p:nvGrpSpPr>
+      <p:grpSpPr>
+        <a:xfrm>
+          <a:off x="0" y="0"/>
+          <a:ext cx="0" cy="0"/>
+          <a:chOff x="0" y="0"/>
+          <a:chExt cx="0" cy="0"/>
+        </a:xfrm>
+      </p:grpSpPr>
+      <p:sp>
+        <p:nvSpPr>
+          <p:cNvPr id="164" name="Shape 164"/>
+          <p:cNvSpPr/>
+          <p:nvPr>
+            <p:ph idx="2" type="sldImg"/>
+          </p:nvPr>
+        </p:nvSpPr>
+        <p:spPr>
+          <a:xfrm>
+            <a:off x="381300" y="685800"/>
+            <a:ext cx="6096000" cy="3429000"/>
+          </a:xfrm>
+          <a:custGeom>
+            <a:pathLst>
+              <a:path extrusionOk="0" h="120000" w="120000">
+                <a:moveTo>
+                  <a:pt x="0" y="0"/>
+                </a:moveTo>
+                <a:lnTo>
+                  <a:pt x="120000" y="0"/>
+                </a:lnTo>
+                <a:lnTo>
+                  <a:pt x="120000" y="120000"/>
+                </a:lnTo>
+                <a:lnTo>
+                  <a:pt x="0" y="120000"/>
+                </a:lnTo>
+                <a:close/>
+              </a:path>
+            </a:pathLst>
+          </a:custGeom>
+        </p:spPr>
+      </p:sp>
+      <p:sp>
+        <p:nvSpPr>
+          <p:cNvPr id="165" name="Shape 165"/>
+          <p:cNvSpPr txBox="1"/>
+          <p:nvPr>
+            <p:ph idx="1" type="body"/>
+          </p:nvPr>
+        </p:nvSpPr>
+        <p:spPr>
+          <a:xfrm>
+            <a:off x="685800" y="4343400"/>
+            <a:ext cx="5486400" cy="4114800"/>
+          </a:xfrm>
+          <a:prstGeom prst="rect">
+            <a:avLst/>
+          </a:prstGeom>
+        </p:spPr>
+        <p:txBody>
+          <a:bodyPr anchorCtr="0" anchor="t" bIns="91425" lIns="91425" rIns="91425" tIns="91425">
+            <a:noAutofit/>
+          </a:bodyPr>
+          <a:lstStyle/>
+          <a:p>
+            <a:pPr lvl="0">
+              <a:spcBef>
+                <a:spcPts val="0"/>
+              </a:spcBef>
+              <a:buNone/>
+            </a:pPr>
+            <a:r>
+              <a:t/>
+            </a:r>
+            <a:endParaRPr/>
+          </a:p>
+        </p:txBody>
+      </p:sp>
+    </p:spTree>
+  </p:cSld>
+  <p:clrMapOvr>
+    <a:masterClrMapping/>
+  </p:clrMapOvr>
+</p:notes>
+</file>
+
+<file path=ppt/notesSlides/notesSlide21.xml><?xml version="1.0" encoding="utf-8"?>
+<p:notes xmlns:a="http://schemas.openxmlformats.org/drawingml/2006/main" xmlns:r="http://schemas.openxmlformats.org/officeDocument/2006/relationships" xmlns:mc="http://schemas.openxmlformats.org/markup-compatibility/2006" xmlns:mv="urn:schemas-microsoft-com:mac:vml" xmlns:p="http://schemas.openxmlformats.org/presentationml/2006/main" xmlns:c="http://schemas.openxmlformats.org/drawingml/2006/chart" xmlns:dgm="http://schemas.openxmlformats.org/drawingml/2006/diagram" xmlns:o="urn:schemas-microsoft-com:office:office" xmlns:v="urn:schemas-microsoft-com:vml" xmlns:pvml="urn:schemas-microsoft-com:office:powerpoint" xmlns:com="http://schemas.openxmlformats.org/drawingml/2006/compatibility" xmlns:p14="http://schemas.microsoft.com/office/powerpoint/2010/main" showMasterPhAnim="0" showMasterSp="0">
+  <p:cSld>
+    <p:spTree>
+      <p:nvGrpSpPr>
+        <p:cNvPr id="169" name="Shape 169"/>
+        <p:cNvGrpSpPr/>
+        <p:nvPr/>
+      </p:nvGrpSpPr>
+      <p:grpSpPr>
+        <a:xfrm>
+          <a:off x="0" y="0"/>
+          <a:ext cx="0" cy="0"/>
+          <a:chOff x="0" y="0"/>
+          <a:chExt cx="0" cy="0"/>
+        </a:xfrm>
+      </p:grpSpPr>
+      <p:sp>
+        <p:nvSpPr>
+          <p:cNvPr id="170" name="Shape 170"/>
+          <p:cNvSpPr/>
+          <p:nvPr>
+            <p:ph idx="2" type="sldImg"/>
+          </p:nvPr>
+        </p:nvSpPr>
+        <p:spPr>
+          <a:xfrm>
+            <a:off x="381300" y="685800"/>
+            <a:ext cx="6096000" cy="3429000"/>
+          </a:xfrm>
+          <a:custGeom>
+            <a:pathLst>
+              <a:path extrusionOk="0" h="120000" w="120000">
+                <a:moveTo>
+                  <a:pt x="0" y="0"/>
+                </a:moveTo>
+                <a:lnTo>
+                  <a:pt x="120000" y="0"/>
+                </a:lnTo>
+                <a:lnTo>
+                  <a:pt x="120000" y="120000"/>
+                </a:lnTo>
+                <a:lnTo>
+                  <a:pt x="0" y="120000"/>
+                </a:lnTo>
+                <a:close/>
+              </a:path>
+            </a:pathLst>
+          </a:custGeom>
+        </p:spPr>
+      </p:sp>
+      <p:sp>
+        <p:nvSpPr>
+          <p:cNvPr id="171" name="Shape 171"/>
+          <p:cNvSpPr txBox="1"/>
+          <p:nvPr>
+            <p:ph idx="1" type="body"/>
+          </p:nvPr>
+        </p:nvSpPr>
+        <p:spPr>
+          <a:xfrm>
+            <a:off x="685800" y="4343400"/>
+            <a:ext cx="5486400" cy="4114800"/>
+          </a:xfrm>
+          <a:prstGeom prst="rect">
+            <a:avLst/>
+          </a:prstGeom>
+        </p:spPr>
+        <p:txBody>
+          <a:bodyPr anchorCtr="0" anchor="t" bIns="91425" lIns="91425" rIns="91425" tIns="91425">
+            <a:noAutofit/>
+          </a:bodyPr>
+          <a:lstStyle/>
+          <a:p>
+            <a:pPr lvl="0">
+              <a:spcBef>
+                <a:spcPts val="0"/>
+              </a:spcBef>
+              <a:buNone/>
+            </a:pPr>
+            <a:r>
+              <a:t/>
+            </a:r>
+            <a:endParaRPr/>
+          </a:p>
+        </p:txBody>
+      </p:sp>
+    </p:spTree>
+  </p:cSld>
+  <p:clrMapOvr>
+    <a:masterClrMapping/>
+  </p:clrMapOvr>
+</p:notes>
+</file>
+
+<file path=ppt/notesSlides/notesSlide22.xml><?xml version="1.0" encoding="utf-8"?>
+<p:notes xmlns:a="http://schemas.openxmlformats.org/drawingml/2006/main" xmlns:r="http://schemas.openxmlformats.org/officeDocument/2006/relationships" xmlns:mc="http://schemas.openxmlformats.org/markup-compatibility/2006" xmlns:mv="urn:schemas-microsoft-com:mac:vml" xmlns:p="http://schemas.openxmlformats.org/presentationml/2006/main" xmlns:c="http://schemas.openxmlformats.org/drawingml/2006/chart" xmlns:dgm="http://schemas.openxmlformats.org/drawingml/2006/diagram" xmlns:o="urn:schemas-microsoft-com:office:office" xmlns:v="urn:schemas-microsoft-com:vml" xmlns:pvml="urn:schemas-microsoft-com:office:powerpoint" xmlns:com="http://schemas.openxmlformats.org/drawingml/2006/compatibility" xmlns:p14="http://schemas.microsoft.com/office/powerpoint/2010/main" showMasterPhAnim="0" showMasterSp="0">
+  <p:cSld>
+    <p:spTree>
+      <p:nvGrpSpPr>
+        <p:cNvPr id="175" name="Shape 175"/>
+        <p:cNvGrpSpPr/>
+        <p:nvPr/>
+      </p:nvGrpSpPr>
+      <p:grpSpPr>
+        <a:xfrm>
+          <a:off x="0" y="0"/>
+          <a:ext cx="0" cy="0"/>
+          <a:chOff x="0" y="0"/>
+          <a:chExt cx="0" cy="0"/>
+        </a:xfrm>
+      </p:grpSpPr>
+      <p:sp>
+        <p:nvSpPr>
+          <p:cNvPr id="176" name="Shape 176"/>
+          <p:cNvSpPr/>
+          <p:nvPr>
+            <p:ph idx="2" type="sldImg"/>
+          </p:nvPr>
+        </p:nvSpPr>
+        <p:spPr>
+          <a:xfrm>
+            <a:off x="381300" y="685800"/>
+            <a:ext cx="6096000" cy="3429000"/>
+          </a:xfrm>
+          <a:custGeom>
+            <a:pathLst>
+              <a:path extrusionOk="0" h="120000" w="120000">
+                <a:moveTo>
+                  <a:pt x="0" y="0"/>
+                </a:moveTo>
+                <a:lnTo>
+                  <a:pt x="120000" y="0"/>
+                </a:lnTo>
+                <a:lnTo>
+                  <a:pt x="120000" y="120000"/>
+                </a:lnTo>
+                <a:lnTo>
+                  <a:pt x="0" y="120000"/>
+                </a:lnTo>
+                <a:close/>
+              </a:path>
+            </a:pathLst>
+          </a:custGeom>
+        </p:spPr>
+      </p:sp>
+      <p:sp>
+        <p:nvSpPr>
+          <p:cNvPr id="177" name="Shape 177"/>
+          <p:cNvSpPr txBox="1"/>
+          <p:nvPr>
+            <p:ph idx="1" type="body"/>
+          </p:nvPr>
+        </p:nvSpPr>
+        <p:spPr>
+          <a:xfrm>
+            <a:off x="685800" y="4343400"/>
+            <a:ext cx="5486400" cy="4114800"/>
+          </a:xfrm>
+          <a:prstGeom prst="rect">
+            <a:avLst/>
+          </a:prstGeom>
+        </p:spPr>
+        <p:txBody>
+          <a:bodyPr anchorCtr="0" anchor="t" bIns="91425" lIns="91425" rIns="91425" tIns="91425">
+            <a:noAutofit/>
+          </a:bodyPr>
+          <a:lstStyle/>
+          <a:p>
+            <a:pPr lvl="0">
+              <a:spcBef>
+                <a:spcPts val="0"/>
+              </a:spcBef>
+              <a:buNone/>
+            </a:pPr>
+            <a:r>
+              <a:t/>
+            </a:r>
+            <a:endParaRPr/>
+          </a:p>
+        </p:txBody>
+      </p:sp>
+    </p:spTree>
+  </p:cSld>
+  <p:clrMapOvr>
+    <a:masterClrMapping/>
+  </p:clrMapOvr>
+</p:notes>
+</file>
+
+<file path=ppt/notesSlides/notesSlide23.xml><?xml version="1.0" encoding="utf-8"?>
+<p:notes xmlns:a="http://schemas.openxmlformats.org/drawingml/2006/main" xmlns:r="http://schemas.openxmlformats.org/officeDocument/2006/relationships" xmlns:mc="http://schemas.openxmlformats.org/markup-compatibility/2006" xmlns:mv="urn:schemas-microsoft-com:mac:vml" xmlns:p="http://schemas.openxmlformats.org/presentationml/2006/main" xmlns:c="http://schemas.openxmlformats.org/drawingml/2006/chart" xmlns:dgm="http://schemas.openxmlformats.org/drawingml/2006/diagram" xmlns:o="urn:schemas-microsoft-com:office:office" xmlns:v="urn:schemas-microsoft-com:vml" xmlns:pvml="urn:schemas-microsoft-com:office:powerpoint" xmlns:com="http://schemas.openxmlformats.org/drawingml/2006/compatibility" xmlns:p14="http://schemas.microsoft.com/office/powerpoint/2010/main" showMasterPhAnim="0" showMasterSp="0">
+  <p:cSld>
+    <p:spTree>
+      <p:nvGrpSpPr>
+        <p:cNvPr id="180" name="Shape 180"/>
+        <p:cNvGrpSpPr/>
+        <p:nvPr/>
+      </p:nvGrpSpPr>
+      <p:grpSpPr>
+        <a:xfrm>
+          <a:off x="0" y="0"/>
+          <a:ext cx="0" cy="0"/>
+          <a:chOff x="0" y="0"/>
+          <a:chExt cx="0" cy="0"/>
+        </a:xfrm>
+      </p:grpSpPr>
+      <p:sp>
+        <p:nvSpPr>
+          <p:cNvPr id="181" name="Shape 181"/>
+          <p:cNvSpPr/>
+          <p:nvPr>
+            <p:ph idx="2" type="sldImg"/>
+          </p:nvPr>
+        </p:nvSpPr>
+        <p:spPr>
+          <a:xfrm>
+            <a:off x="381300" y="685800"/>
+            <a:ext cx="6096000" cy="3429000"/>
+          </a:xfrm>
+          <a:custGeom>
+            <a:pathLst>
+              <a:path extrusionOk="0" h="120000" w="120000">
+                <a:moveTo>
+                  <a:pt x="0" y="0"/>
+                </a:moveTo>
+                <a:lnTo>
+                  <a:pt x="120000" y="0"/>
+                </a:lnTo>
+                <a:lnTo>
+                  <a:pt x="120000" y="120000"/>
+                </a:lnTo>
+                <a:lnTo>
+                  <a:pt x="0" y="120000"/>
+                </a:lnTo>
+                <a:close/>
+              </a:path>
+            </a:pathLst>
+          </a:custGeom>
+        </p:spPr>
+      </p:sp>
+      <p:sp>
+        <p:nvSpPr>
+          <p:cNvPr id="182" name="Shape 182"/>
+          <p:cNvSpPr txBox="1"/>
+          <p:nvPr>
+            <p:ph idx="1" type="body"/>
+          </p:nvPr>
+        </p:nvSpPr>
+        <p:spPr>
+          <a:xfrm>
+            <a:off x="685800" y="4343400"/>
+            <a:ext cx="5486400" cy="4114800"/>
+          </a:xfrm>
+          <a:prstGeom prst="rect">
+            <a:avLst/>
+          </a:prstGeom>
+        </p:spPr>
+        <p:txBody>
+          <a:bodyPr anchorCtr="0" anchor="t" bIns="91425" lIns="91425" rIns="91425" tIns="91425">
+            <a:noAutofit/>
+          </a:bodyPr>
+          <a:lstStyle/>
+          <a:p>
+            <a:pPr lvl="0">
+              <a:spcBef>
+                <a:spcPts val="0"/>
+              </a:spcBef>
+              <a:buNone/>
+            </a:pPr>
+            <a:r>
+              <a:t/>
+            </a:r>
+            <a:endParaRPr/>
+          </a:p>
+        </p:txBody>
+      </p:sp>
+    </p:spTree>
+  </p:cSld>
+  <p:clrMapOvr>
+    <a:masterClrMapping/>
+  </p:clrMapOvr>
+</p:notes>
+</file>
+
+<file path=ppt/notesSlides/notesSlide24.xml><?xml version="1.0" encoding="utf-8"?>
+<p:notes xmlns:a="http://schemas.openxmlformats.org/drawingml/2006/main" xmlns:r="http://schemas.openxmlformats.org/officeDocument/2006/relationships" xmlns:mc="http://schemas.openxmlformats.org/markup-compatibility/2006" xmlns:mv="urn:schemas-microsoft-com:mac:vml" xmlns:p="http://schemas.openxmlformats.org/presentationml/2006/main" xmlns:c="http://schemas.openxmlformats.org/drawingml/2006/chart" xmlns:dgm="http://schemas.openxmlformats.org/drawingml/2006/diagram" xmlns:o="urn:schemas-microsoft-com:office:office" xmlns:v="urn:schemas-microsoft-com:vml" xmlns:pvml="urn:schemas-microsoft-com:office:powerpoint" xmlns:com="http://schemas.openxmlformats.org/drawingml/2006/compatibility" xmlns:p14="http://schemas.microsoft.com/office/powerpoint/2010/main" showMasterPhAnim="0" showMasterSp="0">
+  <p:cSld>
+    <p:spTree>
+      <p:nvGrpSpPr>
+        <p:cNvPr id="185" name="Shape 185"/>
+        <p:cNvGrpSpPr/>
+        <p:nvPr/>
+      </p:nvGrpSpPr>
+      <p:grpSpPr>
+        <a:xfrm>
+          <a:off x="0" y="0"/>
+          <a:ext cx="0" cy="0"/>
+          <a:chOff x="0" y="0"/>
+          <a:chExt cx="0" cy="0"/>
+        </a:xfrm>
+      </p:grpSpPr>
+      <p:sp>
+        <p:nvSpPr>
+          <p:cNvPr id="186" name="Shape 186"/>
+          <p:cNvSpPr/>
+          <p:nvPr>
+            <p:ph idx="2" type="sldImg"/>
+          </p:nvPr>
+        </p:nvSpPr>
+        <p:spPr>
+          <a:xfrm>
+            <a:off x="381300" y="685800"/>
+            <a:ext cx="6096000" cy="3429000"/>
+          </a:xfrm>
+          <a:custGeom>
+            <a:pathLst>
+              <a:path extrusionOk="0" h="120000" w="120000">
+                <a:moveTo>
+                  <a:pt x="0" y="0"/>
+                </a:moveTo>
+                <a:lnTo>
+                  <a:pt x="120000" y="0"/>
+                </a:lnTo>
+                <a:lnTo>
+                  <a:pt x="120000" y="120000"/>
+                </a:lnTo>
+                <a:lnTo>
+                  <a:pt x="0" y="120000"/>
+                </a:lnTo>
+                <a:close/>
+              </a:path>
+            </a:pathLst>
+          </a:custGeom>
+        </p:spPr>
+      </p:sp>
+      <p:sp>
+        <p:nvSpPr>
+          <p:cNvPr id="187" name="Shape 187"/>
+          <p:cNvSpPr txBox="1"/>
+          <p:nvPr>
+            <p:ph idx="1" type="body"/>
+          </p:nvPr>
+        </p:nvSpPr>
+        <p:spPr>
+          <a:xfrm>
+            <a:off x="685800" y="4343400"/>
+            <a:ext cx="5486400" cy="4114800"/>
+          </a:xfrm>
+          <a:prstGeom prst="rect">
+            <a:avLst/>
+          </a:prstGeom>
+        </p:spPr>
+        <p:txBody>
+          <a:bodyPr anchorCtr="0" anchor="t" bIns="91425" lIns="91425" rIns="91425" tIns="91425">
+            <a:noAutofit/>
+          </a:bodyPr>
+          <a:lstStyle/>
+          <a:p>
+            <a:pPr lvl="0">
+              <a:spcBef>
+                <a:spcPts val="0"/>
+              </a:spcBef>
+              <a:buNone/>
+            </a:pPr>
+            <a:r>
+              <a:t/>
+            </a:r>
+            <a:endParaRPr/>
+          </a:p>
+        </p:txBody>
+      </p:sp>
+    </p:spTree>
+  </p:cSld>
+  <p:clrMapOvr>
+    <a:masterClrMapping/>
+  </p:clrMapOvr>
+</p:notes>
+</file>
+
+<file path=ppt/notesSlides/notesSlide25.xml><?xml version="1.0" encoding="utf-8"?>
+<p:notes xmlns:a="http://schemas.openxmlformats.org/drawingml/2006/main" xmlns:r="http://schemas.openxmlformats.org/officeDocument/2006/relationships" xmlns:mc="http://schemas.openxmlformats.org/markup-compatibility/2006" xmlns:mv="urn:schemas-microsoft-com:mac:vml" xmlns:p="http://schemas.openxmlformats.org/presentationml/2006/main" xmlns:c="http://schemas.openxmlformats.org/drawingml/2006/chart" xmlns:dgm="http://schemas.openxmlformats.org/drawingml/2006/diagram" xmlns:o="urn:schemas-microsoft-com:office:office" xmlns:v="urn:schemas-microsoft-com:vml" xmlns:pvml="urn:schemas-microsoft-com:office:powerpoint" xmlns:com="http://schemas.openxmlformats.org/drawingml/2006/compatibility" xmlns:p14="http://schemas.microsoft.com/office/powerpoint/2010/main" showMasterPhAnim="0" showMasterSp="0">
+  <p:cSld>
+    <p:spTree>
+      <p:nvGrpSpPr>
+        <p:cNvPr id="190" name="Shape 190"/>
+        <p:cNvGrpSpPr/>
+        <p:nvPr/>
+      </p:nvGrpSpPr>
+      <p:grpSpPr>
+        <a:xfrm>
+          <a:off x="0" y="0"/>
+          <a:ext cx="0" cy="0"/>
+          <a:chOff x="0" y="0"/>
+          <a:chExt cx="0" cy="0"/>
+        </a:xfrm>
+      </p:grpSpPr>
+      <p:sp>
+        <p:nvSpPr>
+          <p:cNvPr id="191" name="Shape 191"/>
+          <p:cNvSpPr/>
+          <p:nvPr>
+            <p:ph idx="2" type="sldImg"/>
+          </p:nvPr>
+        </p:nvSpPr>
+        <p:spPr>
+          <a:xfrm>
+            <a:off x="381300" y="685800"/>
+            <a:ext cx="6096000" cy="3429000"/>
+          </a:xfrm>
+          <a:custGeom>
+            <a:pathLst>
+              <a:path extrusionOk="0" h="120000" w="120000">
+                <a:moveTo>
+                  <a:pt x="0" y="0"/>
+                </a:moveTo>
+                <a:lnTo>
+                  <a:pt x="120000" y="0"/>
+                </a:lnTo>
+                <a:lnTo>
+                  <a:pt x="120000" y="120000"/>
+                </a:lnTo>
+                <a:lnTo>
+                  <a:pt x="0" y="120000"/>
+                </a:lnTo>
+                <a:close/>
+              </a:path>
+            </a:pathLst>
+          </a:custGeom>
+        </p:spPr>
+      </p:sp>
+      <p:sp>
+        <p:nvSpPr>
+          <p:cNvPr id="192" name="Shape 192"/>
+          <p:cNvSpPr txBox="1"/>
+          <p:nvPr>
+            <p:ph idx="1" type="body"/>
+          </p:nvPr>
+        </p:nvSpPr>
+        <p:spPr>
+          <a:xfrm>
+            <a:off x="685800" y="4343400"/>
+            <a:ext cx="5486400" cy="4114800"/>
+          </a:xfrm>
+          <a:prstGeom prst="rect">
+            <a:avLst/>
+          </a:prstGeom>
+        </p:spPr>
+        <p:txBody>
+          <a:bodyPr anchorCtr="0" anchor="t" bIns="91425" lIns="91425" rIns="91425" tIns="91425">
+            <a:noAutofit/>
+          </a:bodyPr>
+          <a:lstStyle/>
+          <a:p>
+            <a:pPr lvl="0">
+              <a:spcBef>
+                <a:spcPts val="0"/>
+              </a:spcBef>
+              <a:buNone/>
+            </a:pPr>
+            <a:r>
+              <a:t/>
+            </a:r>
+            <a:endParaRPr/>
+          </a:p>
+        </p:txBody>
+      </p:sp>
+    </p:spTree>
+  </p:cSld>
+  <p:clrMapOvr>
+    <a:masterClrMapping/>
+  </p:clrMapOvr>
+</p:notes>
+</file>
+
+<file path=ppt/notesSlides/notesSlide26.xml><?xml version="1.0" encoding="utf-8"?>
+<p:notes xmlns:a="http://schemas.openxmlformats.org/drawingml/2006/main" xmlns:r="http://schemas.openxmlformats.org/officeDocument/2006/relationships" xmlns:mc="http://schemas.openxmlformats.org/markup-compatibility/2006" xmlns:mv="urn:schemas-microsoft-com:mac:vml" xmlns:p="http://schemas.openxmlformats.org/presentationml/2006/main" xmlns:c="http://schemas.openxmlformats.org/drawingml/2006/chart" xmlns:dgm="http://schemas.openxmlformats.org/drawingml/2006/diagram" xmlns:o="urn:schemas-microsoft-com:office:office" xmlns:v="urn:schemas-microsoft-com:vml" xmlns:pvml="urn:schemas-microsoft-com:office:powerpoint" xmlns:com="http://schemas.openxmlformats.org/drawingml/2006/compatibility" xmlns:p14="http://schemas.microsoft.com/office/powerpoint/2010/main" showMasterPhAnim="0" showMasterSp="0">
+  <p:cSld>
+    <p:spTree>
+      <p:nvGrpSpPr>
+        <p:cNvPr id="195" name="Shape 195"/>
+        <p:cNvGrpSpPr/>
+        <p:nvPr/>
+      </p:nvGrpSpPr>
+      <p:grpSpPr>
+        <a:xfrm>
+          <a:off x="0" y="0"/>
+          <a:ext cx="0" cy="0"/>
+          <a:chOff x="0" y="0"/>
+          <a:chExt cx="0" cy="0"/>
+        </a:xfrm>
+      </p:grpSpPr>
+      <p:sp>
+        <p:nvSpPr>
+          <p:cNvPr id="196" name="Shape 196"/>
+          <p:cNvSpPr/>
+          <p:nvPr>
+            <p:ph idx="2" type="sldImg"/>
+          </p:nvPr>
+        </p:nvSpPr>
+        <p:spPr>
+          <a:xfrm>
+            <a:off x="381300" y="685800"/>
+            <a:ext cx="6096000" cy="3429000"/>
+          </a:xfrm>
+          <a:custGeom>
+            <a:pathLst>
+              <a:path extrusionOk="0" h="120000" w="120000">
+                <a:moveTo>
+                  <a:pt x="0" y="0"/>
+                </a:moveTo>
+                <a:lnTo>
+                  <a:pt x="120000" y="0"/>
+                </a:lnTo>
+                <a:lnTo>
+                  <a:pt x="120000" y="120000"/>
+                </a:lnTo>
+                <a:lnTo>
+                  <a:pt x="0" y="120000"/>
+                </a:lnTo>
+                <a:close/>
+              </a:path>
+            </a:pathLst>
+          </a:custGeom>
+        </p:spPr>
+      </p:sp>
+      <p:sp>
+        <p:nvSpPr>
+          <p:cNvPr id="197" name="Shape 197"/>
           <p:cNvSpPr txBox="1"/>
           <p:nvPr>
             <p:ph idx="1" type="body"/>
@@ -5224,20 +6472,20 @@
           <p:cNvPr id="119" name="Shape 119"/>
           <p:cNvSpPr txBox="1"/>
           <p:nvPr>
-            <p:ph type="title"/>
-          </p:nvPr>
-        </p:nvSpPr>
-        <p:spPr>
-          <a:xfrm>
-            <a:off x="311700" y="2150850"/>
-            <a:ext cx="8520600" cy="841800"/>
-          </a:xfrm>
-          <a:prstGeom prst="rect">
-            <a:avLst/>
-          </a:prstGeom>
-        </p:spPr>
-        <p:txBody>
-          <a:bodyPr anchorCtr="0" anchor="ctr" bIns="91425" lIns="91425" rIns="91425" tIns="91425">
+            <p:ph type="ctrTitle"/>
+          </p:nvPr>
+        </p:nvSpPr>
+        <p:spPr>
+          <a:xfrm>
+            <a:off x="311708" y="744575"/>
+            <a:ext cx="8520600" cy="2052600"/>
+          </a:xfrm>
+          <a:prstGeom prst="rect">
+            <a:avLst/>
+          </a:prstGeom>
+        </p:spPr>
+        <p:txBody>
+          <a:bodyPr anchorCtr="0" anchor="b" bIns="91425" lIns="91425" rIns="91425" tIns="91425">
             <a:noAutofit/>
           </a:bodyPr>
           <a:lstStyle/>
@@ -5250,7 +6498,43 @@
             </a:pPr>
             <a:r>
               <a:rPr lang="en"/>
-              <a:t>Code Walkthrough</a:t>
+              <a:t>SP2 Presentation	</a:t>
+            </a:r>
+          </a:p>
+        </p:txBody>
+      </p:sp>
+      <p:sp>
+        <p:nvSpPr>
+          <p:cNvPr id="120" name="Shape 120"/>
+          <p:cNvSpPr txBox="1"/>
+          <p:nvPr>
+            <p:ph idx="1" type="subTitle"/>
+          </p:nvPr>
+        </p:nvSpPr>
+        <p:spPr>
+          <a:xfrm>
+            <a:off x="311700" y="2834125"/>
+            <a:ext cx="8520600" cy="792600"/>
+          </a:xfrm>
+          <a:prstGeom prst="rect">
+            <a:avLst/>
+          </a:prstGeom>
+        </p:spPr>
+        <p:txBody>
+          <a:bodyPr anchorCtr="0" anchor="t" bIns="91425" lIns="91425" rIns="91425" tIns="91425">
+            <a:noAutofit/>
+          </a:bodyPr>
+          <a:lstStyle/>
+          <a:p>
+            <a:pPr lvl="0">
+              <a:spcBef>
+                <a:spcPts val="0"/>
+              </a:spcBef>
+              <a:buNone/>
+            </a:pPr>
+            <a:r>
+              <a:rPr lang="en"/>
+              <a:t>PD Entertainment</a:t>
             </a:r>
           </a:p>
         </p:txBody>
@@ -5271,7 +6555,7 @@
   <p:cSld>
     <p:spTree>
       <p:nvGrpSpPr>
-        <p:cNvPr id="123" name="Shape 123"/>
+        <p:cNvPr id="124" name="Shape 124"/>
         <p:cNvGrpSpPr/>
         <p:nvPr/>
       </p:nvGrpSpPr>
@@ -5285,7 +6569,7 @@
       </p:grpSpPr>
       <p:sp>
         <p:nvSpPr>
-          <p:cNvPr id="124" name="Shape 124"/>
+          <p:cNvPr id="125" name="Shape 125"/>
           <p:cNvSpPr txBox="1"/>
           <p:nvPr>
             <p:ph type="title"/>
@@ -5293,19 +6577,79 @@
         </p:nvSpPr>
         <p:spPr>
           <a:xfrm>
-            <a:off x="311700" y="2150850"/>
-            <a:ext cx="8520600" cy="841800"/>
-          </a:xfrm>
-          <a:prstGeom prst="rect">
-            <a:avLst/>
-          </a:prstGeom>
-        </p:spPr>
-        <p:txBody>
-          <a:bodyPr anchorCtr="0" anchor="ctr" bIns="91425" lIns="91425" rIns="91425" tIns="91425">
+            <a:off x="311700" y="445025"/>
+            <a:ext cx="8520600" cy="572700"/>
+          </a:xfrm>
+          <a:prstGeom prst="rect">
+            <a:avLst/>
+          </a:prstGeom>
+        </p:spPr>
+        <p:txBody>
+          <a:bodyPr anchorCtr="0" anchor="t" bIns="91425" lIns="91425" rIns="91425" tIns="91425">
             <a:noAutofit/>
           </a:bodyPr>
           <a:lstStyle/>
           <a:p>
+            <a:pPr lvl="0" algn="ctr">
+              <a:spcBef>
+                <a:spcPts val="0"/>
+              </a:spcBef>
+              <a:buNone/>
+            </a:pPr>
+            <a:r>
+              <a:rPr lang="en"/>
+              <a:t>Overview	</a:t>
+            </a:r>
+          </a:p>
+        </p:txBody>
+      </p:sp>
+      <p:sp>
+        <p:nvSpPr>
+          <p:cNvPr id="126" name="Shape 126"/>
+          <p:cNvSpPr txBox="1"/>
+          <p:nvPr>
+            <p:ph idx="1" type="body"/>
+          </p:nvPr>
+        </p:nvSpPr>
+        <p:spPr>
+          <a:xfrm>
+            <a:off x="311700" y="1152475"/>
+            <a:ext cx="8520600" cy="3416400"/>
+          </a:xfrm>
+          <a:prstGeom prst="rect">
+            <a:avLst/>
+          </a:prstGeom>
+        </p:spPr>
+        <p:txBody>
+          <a:bodyPr anchorCtr="0" anchor="t" bIns="91425" lIns="91425" rIns="91425" tIns="91425">
+            <a:noAutofit/>
+          </a:bodyPr>
+          <a:lstStyle/>
+          <a:p>
+            <a:pPr lvl="0" rtl="0">
+              <a:spcBef>
+                <a:spcPts val="0"/>
+              </a:spcBef>
+              <a:buNone/>
+            </a:pPr>
+            <a:r>
+              <a:rPr lang="en"/>
+              <a:t>The name of our SP2 project is named “Benninator”, where the project is loosely based on our Leader, Ng Jun Guo, and his desires for epic adventures</a:t>
+            </a:r>
+          </a:p>
+          <a:p>
+            <a:pPr lvl="0" rtl="0">
+              <a:spcBef>
+                <a:spcPts val="0"/>
+              </a:spcBef>
+              <a:buNone/>
+            </a:pPr>
+            <a:r>
+              <a:t/>
+            </a:r>
+            <a:endParaRPr/>
+          </a:p>
+          <a:p>
             <a:pPr lvl="0">
               <a:spcBef>
                 <a:spcPts val="0"/>
@@ -5314,7 +6658,835 @@
             </a:pPr>
             <a:r>
               <a:rPr lang="en"/>
-              <a:t>Q &amp; A</a:t>
+              <a:t>It revolves around the protagonist who was supposed to be on a space expedition with his team to understand the reason why a facility in Planet X was abandoned. However, the team met with an accident when the spaceship is nearing Planet X, leaving only the protagonist to survive.</a:t>
+            </a:r>
+          </a:p>
+        </p:txBody>
+      </p:sp>
+    </p:spTree>
+  </p:cSld>
+  <p:clrMapOvr>
+    <a:masterClrMapping/>
+  </p:clrMapOvr>
+  <p:transition spd="slow">
+    <p:cut/>
+  </p:transition>
+</p:sld>
+</file>
+
+<file path=ppt/slides/slide14.xml><?xml version="1.0" encoding="utf-8"?>
+<p:sld xmlns:a="http://schemas.openxmlformats.org/drawingml/2006/main" xmlns:r="http://schemas.openxmlformats.org/officeDocument/2006/relationships" xmlns:mc="http://schemas.openxmlformats.org/markup-compatibility/2006" xmlns:mv="urn:schemas-microsoft-com:mac:vml" xmlns:p="http://schemas.openxmlformats.org/presentationml/2006/main" xmlns:c="http://schemas.openxmlformats.org/drawingml/2006/chart" xmlns:dgm="http://schemas.openxmlformats.org/drawingml/2006/diagram" xmlns:o="urn:schemas-microsoft-com:office:office" xmlns:v="urn:schemas-microsoft-com:vml" xmlns:pvml="urn:schemas-microsoft-com:office:powerpoint" xmlns:com="http://schemas.openxmlformats.org/drawingml/2006/compatibility" xmlns:p14="http://schemas.microsoft.com/office/powerpoint/2010/main">
+  <p:cSld>
+    <p:spTree>
+      <p:nvGrpSpPr>
+        <p:cNvPr id="130" name="Shape 130"/>
+        <p:cNvGrpSpPr/>
+        <p:nvPr/>
+      </p:nvGrpSpPr>
+      <p:grpSpPr>
+        <a:xfrm>
+          <a:off x="0" y="0"/>
+          <a:ext cx="0" cy="0"/>
+          <a:chOff x="0" y="0"/>
+          <a:chExt cx="0" cy="0"/>
+        </a:xfrm>
+      </p:grpSpPr>
+      <p:sp>
+        <p:nvSpPr>
+          <p:cNvPr id="131" name="Shape 131"/>
+          <p:cNvSpPr txBox="1"/>
+          <p:nvPr>
+            <p:ph type="title"/>
+          </p:nvPr>
+        </p:nvSpPr>
+        <p:spPr>
+          <a:xfrm>
+            <a:off x="311700" y="445025"/>
+            <a:ext cx="8520600" cy="572700"/>
+          </a:xfrm>
+          <a:prstGeom prst="rect">
+            <a:avLst/>
+          </a:prstGeom>
+        </p:spPr>
+        <p:txBody>
+          <a:bodyPr anchorCtr="0" anchor="t" bIns="91425" lIns="91425" rIns="91425" tIns="91425">
+            <a:noAutofit/>
+          </a:bodyPr>
+          <a:lstStyle/>
+          <a:p>
+            <a:pPr lvl="0" algn="ctr">
+              <a:spcBef>
+                <a:spcPts val="0"/>
+              </a:spcBef>
+              <a:buNone/>
+            </a:pPr>
+            <a:r>
+              <a:rPr lang="en"/>
+              <a:t>Computer graphics implementation </a:t>
+            </a:r>
+          </a:p>
+        </p:txBody>
+      </p:sp>
+      <p:sp>
+        <p:nvSpPr>
+          <p:cNvPr id="132" name="Shape 132"/>
+          <p:cNvSpPr txBox="1"/>
+          <p:nvPr>
+            <p:ph idx="1" type="body"/>
+          </p:nvPr>
+        </p:nvSpPr>
+        <p:spPr>
+          <a:xfrm>
+            <a:off x="311700" y="1145700"/>
+            <a:ext cx="8520600" cy="3416400"/>
+          </a:xfrm>
+          <a:prstGeom prst="rect">
+            <a:avLst/>
+          </a:prstGeom>
+        </p:spPr>
+        <p:txBody>
+          <a:bodyPr anchorCtr="0" anchor="t" bIns="91425" lIns="91425" rIns="91425" tIns="91425">
+            <a:noAutofit/>
+          </a:bodyPr>
+          <a:lstStyle/>
+          <a:p>
+            <a:pPr indent="-228600" lvl="0" marL="457200" rtl="0" algn="ctr">
+              <a:spcBef>
+                <a:spcPts val="0"/>
+              </a:spcBef>
+              <a:buChar char="-"/>
+            </a:pPr>
+            <a:r>
+              <a:rPr lang="en"/>
+              <a:t>60 targa files</a:t>
+            </a:r>
+          </a:p>
+          <a:p>
+            <a:pPr indent="-228600" lvl="0" marL="457200" rtl="0" algn="ctr">
+              <a:spcBef>
+                <a:spcPts val="0"/>
+              </a:spcBef>
+              <a:buChar char="-"/>
+            </a:pPr>
+            <a:r>
+              <a:rPr lang="en"/>
+              <a:t>32 OBJ files</a:t>
+            </a:r>
+          </a:p>
+          <a:p>
+            <a:pPr indent="-228600" lvl="0" marL="457200" rtl="0" algn="ctr">
+              <a:spcBef>
+                <a:spcPts val="0"/>
+              </a:spcBef>
+              <a:buChar char="-"/>
+            </a:pPr>
+            <a:r>
+              <a:rPr lang="en"/>
+              <a:t>Single Spotlight with flickering</a:t>
+            </a:r>
+          </a:p>
+          <a:p>
+            <a:pPr indent="-228600" lvl="0" marL="457200" rtl="0" algn="ctr">
+              <a:spcBef>
+                <a:spcPts val="0"/>
+              </a:spcBef>
+              <a:buChar char="-"/>
+            </a:pPr>
+            <a:r>
+              <a:rPr lang="en"/>
+              <a:t>over 20 animations used</a:t>
+            </a:r>
+          </a:p>
+          <a:p>
+            <a:pPr indent="-228600" lvl="0" marL="457200" rtl="0" algn="ctr">
+              <a:spcBef>
+                <a:spcPts val="0"/>
+              </a:spcBef>
+              <a:buChar char="-"/>
+            </a:pPr>
+            <a:r>
+              <a:rPr lang="en"/>
+              <a:t>4 different cameras used.</a:t>
+            </a:r>
+          </a:p>
+          <a:p>
+            <a:pPr lvl="0" rtl="0">
+              <a:spcBef>
+                <a:spcPts val="0"/>
+              </a:spcBef>
+              <a:buNone/>
+            </a:pPr>
+            <a:r>
+              <a:t/>
+            </a:r>
+            <a:endParaRPr/>
+          </a:p>
+        </p:txBody>
+      </p:sp>
+    </p:spTree>
+  </p:cSld>
+  <p:clrMapOvr>
+    <a:masterClrMapping/>
+  </p:clrMapOvr>
+  <p:transition spd="slow">
+    <p:cut/>
+  </p:transition>
+</p:sld>
+</file>
+
+<file path=ppt/slides/slide15.xml><?xml version="1.0" encoding="utf-8"?>
+<p:sld xmlns:a="http://schemas.openxmlformats.org/drawingml/2006/main" xmlns:r="http://schemas.openxmlformats.org/officeDocument/2006/relationships" xmlns:mc="http://schemas.openxmlformats.org/markup-compatibility/2006" xmlns:mv="urn:schemas-microsoft-com:mac:vml" xmlns:p="http://schemas.openxmlformats.org/presentationml/2006/main" xmlns:c="http://schemas.openxmlformats.org/drawingml/2006/chart" xmlns:dgm="http://schemas.openxmlformats.org/drawingml/2006/diagram" xmlns:o="urn:schemas-microsoft-com:office:office" xmlns:v="urn:schemas-microsoft-com:vml" xmlns:pvml="urn:schemas-microsoft-com:office:powerpoint" xmlns:com="http://schemas.openxmlformats.org/drawingml/2006/compatibility" xmlns:p14="http://schemas.microsoft.com/office/powerpoint/2010/main">
+  <p:cSld>
+    <p:spTree>
+      <p:nvGrpSpPr>
+        <p:cNvPr id="136" name="Shape 136"/>
+        <p:cNvGrpSpPr/>
+        <p:nvPr/>
+      </p:nvGrpSpPr>
+      <p:grpSpPr>
+        <a:xfrm>
+          <a:off x="0" y="0"/>
+          <a:ext cx="0" cy="0"/>
+          <a:chOff x="0" y="0"/>
+          <a:chExt cx="0" cy="0"/>
+        </a:xfrm>
+      </p:grpSpPr>
+      <p:sp>
+        <p:nvSpPr>
+          <p:cNvPr id="137" name="Shape 137"/>
+          <p:cNvSpPr txBox="1"/>
+          <p:nvPr>
+            <p:ph type="title"/>
+          </p:nvPr>
+        </p:nvSpPr>
+        <p:spPr>
+          <a:xfrm>
+            <a:off x="311700" y="445025"/>
+            <a:ext cx="8520600" cy="572700"/>
+          </a:xfrm>
+          <a:prstGeom prst="rect">
+            <a:avLst/>
+          </a:prstGeom>
+        </p:spPr>
+        <p:txBody>
+          <a:bodyPr anchorCtr="0" anchor="t" bIns="91425" lIns="91425" rIns="91425" tIns="91425">
+            <a:noAutofit/>
+          </a:bodyPr>
+          <a:lstStyle/>
+          <a:p>
+            <a:pPr lvl="0" algn="ctr">
+              <a:spcBef>
+                <a:spcPts val="0"/>
+              </a:spcBef>
+              <a:buNone/>
+            </a:pPr>
+            <a:r>
+              <a:rPr lang="en"/>
+              <a:t>Features</a:t>
+            </a:r>
+          </a:p>
+        </p:txBody>
+      </p:sp>
+      <p:sp>
+        <p:nvSpPr>
+          <p:cNvPr id="138" name="Shape 138"/>
+          <p:cNvSpPr txBox="1"/>
+          <p:nvPr>
+            <p:ph idx="1" type="body"/>
+          </p:nvPr>
+        </p:nvSpPr>
+        <p:spPr>
+          <a:xfrm>
+            <a:off x="311700" y="1152475"/>
+            <a:ext cx="8520600" cy="3416400"/>
+          </a:xfrm>
+          <a:prstGeom prst="rect">
+            <a:avLst/>
+          </a:prstGeom>
+        </p:spPr>
+        <p:txBody>
+          <a:bodyPr anchorCtr="0" anchor="t" bIns="91425" lIns="91425" rIns="91425" tIns="91425">
+            <a:noAutofit/>
+          </a:bodyPr>
+          <a:lstStyle/>
+          <a:p>
+            <a:pPr lvl="0" rtl="0" algn="ctr">
+              <a:spcBef>
+                <a:spcPts val="0"/>
+              </a:spcBef>
+              <a:buNone/>
+            </a:pPr>
+            <a:r>
+              <a:rPr lang="en"/>
+              <a:t>Inventory System</a:t>
+            </a:r>
+          </a:p>
+          <a:p>
+            <a:pPr lvl="0" rtl="0" algn="ctr">
+              <a:spcBef>
+                <a:spcPts val="0"/>
+              </a:spcBef>
+              <a:buNone/>
+            </a:pPr>
+            <a:r>
+              <a:rPr lang="en"/>
+              <a:t>Enjoyable Cutscenes</a:t>
+            </a:r>
+          </a:p>
+          <a:p>
+            <a:pPr lvl="0" rtl="0" algn="ctr">
+              <a:spcBef>
+                <a:spcPts val="0"/>
+              </a:spcBef>
+              <a:buNone/>
+            </a:pPr>
+            <a:r>
+              <a:rPr lang="en"/>
+              <a:t>Singleton Implementation</a:t>
+            </a:r>
+          </a:p>
+          <a:p>
+            <a:pPr lvl="0" rtl="0" algn="ctr">
+              <a:spcBef>
+                <a:spcPts val="0"/>
+              </a:spcBef>
+              <a:buNone/>
+            </a:pPr>
+            <a:r>
+              <a:rPr lang="en"/>
+              <a:t>Collision and Fighting with the Power of Math</a:t>
+            </a:r>
+          </a:p>
+          <a:p>
+            <a:pPr lvl="0" rtl="0" algn="ctr">
+              <a:spcBef>
+                <a:spcPts val="0"/>
+              </a:spcBef>
+              <a:buNone/>
+            </a:pPr>
+            <a:r>
+              <a:rPr lang="en"/>
+              <a:t>Horribly scary Mobs and Bosses</a:t>
+            </a:r>
+          </a:p>
+          <a:p>
+            <a:pPr lvl="0" rtl="0" algn="ctr">
+              <a:spcBef>
+                <a:spcPts val="0"/>
+              </a:spcBef>
+              <a:buNone/>
+            </a:pPr>
+            <a:r>
+              <a:t/>
+            </a:r>
+            <a:endParaRPr/>
+          </a:p>
+          <a:p>
+            <a:pPr lvl="0" algn="ctr">
+              <a:spcBef>
+                <a:spcPts val="0"/>
+              </a:spcBef>
+              <a:buNone/>
+            </a:pPr>
+            <a:r>
+              <a:t/>
+            </a:r>
+            <a:endParaRPr/>
+          </a:p>
+        </p:txBody>
+      </p:sp>
+    </p:spTree>
+  </p:cSld>
+  <p:clrMapOvr>
+    <a:masterClrMapping/>
+  </p:clrMapOvr>
+  <p:transition spd="slow">
+    <p:cut/>
+  </p:transition>
+</p:sld>
+</file>
+
+<file path=ppt/slides/slide16.xml><?xml version="1.0" encoding="utf-8"?>
+<p:sld xmlns:a="http://schemas.openxmlformats.org/drawingml/2006/main" xmlns:r="http://schemas.openxmlformats.org/officeDocument/2006/relationships" xmlns:mc="http://schemas.openxmlformats.org/markup-compatibility/2006" xmlns:mv="urn:schemas-microsoft-com:mac:vml" xmlns:p="http://schemas.openxmlformats.org/presentationml/2006/main" xmlns:c="http://schemas.openxmlformats.org/drawingml/2006/chart" xmlns:dgm="http://schemas.openxmlformats.org/drawingml/2006/diagram" xmlns:o="urn:schemas-microsoft-com:office:office" xmlns:v="urn:schemas-microsoft-com:vml" xmlns:pvml="urn:schemas-microsoft-com:office:powerpoint" xmlns:com="http://schemas.openxmlformats.org/drawingml/2006/compatibility" xmlns:p14="http://schemas.microsoft.com/office/powerpoint/2010/main">
+  <p:cSld>
+    <p:spTree>
+      <p:nvGrpSpPr>
+        <p:cNvPr id="142" name="Shape 142"/>
+        <p:cNvGrpSpPr/>
+        <p:nvPr/>
+      </p:nvGrpSpPr>
+      <p:grpSpPr>
+        <a:xfrm>
+          <a:off x="0" y="0"/>
+          <a:ext cx="0" cy="0"/>
+          <a:chOff x="0" y="0"/>
+          <a:chExt cx="0" cy="0"/>
+        </a:xfrm>
+      </p:grpSpPr>
+      <p:sp>
+        <p:nvSpPr>
+          <p:cNvPr id="143" name="Shape 143"/>
+          <p:cNvSpPr txBox="1"/>
+          <p:nvPr>
+            <p:ph type="title"/>
+          </p:nvPr>
+        </p:nvSpPr>
+        <p:spPr>
+          <a:xfrm>
+            <a:off x="311700" y="445025"/>
+            <a:ext cx="8520600" cy="572700"/>
+          </a:xfrm>
+          <a:prstGeom prst="rect">
+            <a:avLst/>
+          </a:prstGeom>
+        </p:spPr>
+        <p:txBody>
+          <a:bodyPr anchorCtr="0" anchor="t" bIns="91425" lIns="91425" rIns="91425" tIns="91425">
+            <a:noAutofit/>
+          </a:bodyPr>
+          <a:lstStyle/>
+          <a:p>
+            <a:pPr lvl="0" algn="ctr">
+              <a:spcBef>
+                <a:spcPts val="0"/>
+              </a:spcBef>
+              <a:buNone/>
+            </a:pPr>
+            <a:r>
+              <a:rPr lang="en"/>
+              <a:t>New Things Learnt</a:t>
+            </a:r>
+          </a:p>
+        </p:txBody>
+      </p:sp>
+      <p:sp>
+        <p:nvSpPr>
+          <p:cNvPr id="144" name="Shape 144"/>
+          <p:cNvSpPr txBox="1"/>
+          <p:nvPr>
+            <p:ph idx="1" type="body"/>
+          </p:nvPr>
+        </p:nvSpPr>
+        <p:spPr>
+          <a:xfrm>
+            <a:off x="311700" y="1450825"/>
+            <a:ext cx="8520600" cy="2406900"/>
+          </a:xfrm>
+          <a:prstGeom prst="rect">
+            <a:avLst/>
+          </a:prstGeom>
+        </p:spPr>
+        <p:txBody>
+          <a:bodyPr anchorCtr="0" anchor="t" bIns="91425" lIns="91425" rIns="91425" tIns="91425">
+            <a:noAutofit/>
+          </a:bodyPr>
+          <a:lstStyle/>
+          <a:p>
+            <a:pPr lvl="0" rtl="0" algn="ctr">
+              <a:spcBef>
+                <a:spcPts val="0"/>
+              </a:spcBef>
+              <a:buNone/>
+            </a:pPr>
+            <a:r>
+              <a:rPr lang="en"/>
+              <a:t>How to put Vectors to good use</a:t>
+            </a:r>
+          </a:p>
+          <a:p>
+            <a:pPr lvl="0" rtl="0" algn="ctr">
+              <a:spcBef>
+                <a:spcPts val="0"/>
+              </a:spcBef>
+              <a:buNone/>
+            </a:pPr>
+            <a:r>
+              <a:rPr lang="en"/>
+              <a:t>How math can be used to make complicated things possible.</a:t>
+            </a:r>
+          </a:p>
+          <a:p>
+            <a:pPr lvl="0" rtl="0" algn="ctr">
+              <a:spcBef>
+                <a:spcPts val="0"/>
+              </a:spcBef>
+              <a:buNone/>
+            </a:pPr>
+            <a:r>
+              <a:rPr lang="en"/>
+              <a:t>The concept of Minimal Viable Product</a:t>
+            </a:r>
+          </a:p>
+          <a:p>
+            <a:pPr lvl="0" rtl="0" algn="ctr">
+              <a:spcBef>
+                <a:spcPts val="0"/>
+              </a:spcBef>
+              <a:buNone/>
+            </a:pPr>
+            <a:r>
+              <a:t/>
+            </a:r>
+            <a:endParaRPr/>
+          </a:p>
+          <a:p>
+            <a:pPr lvl="0" algn="ctr">
+              <a:spcBef>
+                <a:spcPts val="0"/>
+              </a:spcBef>
+              <a:buNone/>
+            </a:pPr>
+            <a:r>
+              <a:t/>
+            </a:r>
+            <a:endParaRPr/>
+          </a:p>
+        </p:txBody>
+      </p:sp>
+    </p:spTree>
+  </p:cSld>
+  <p:clrMapOvr>
+    <a:masterClrMapping/>
+  </p:clrMapOvr>
+  <p:transition spd="slow">
+    <p:cut/>
+  </p:transition>
+</p:sld>
+</file>
+
+<file path=ppt/slides/slide17.xml><?xml version="1.0" encoding="utf-8"?>
+<p:sld xmlns:a="http://schemas.openxmlformats.org/drawingml/2006/main" xmlns:r="http://schemas.openxmlformats.org/officeDocument/2006/relationships" xmlns:mc="http://schemas.openxmlformats.org/markup-compatibility/2006" xmlns:mv="urn:schemas-microsoft-com:mac:vml" xmlns:p="http://schemas.openxmlformats.org/presentationml/2006/main" xmlns:c="http://schemas.openxmlformats.org/drawingml/2006/chart" xmlns:dgm="http://schemas.openxmlformats.org/drawingml/2006/diagram" xmlns:o="urn:schemas-microsoft-com:office:office" xmlns:v="urn:schemas-microsoft-com:vml" xmlns:pvml="urn:schemas-microsoft-com:office:powerpoint" xmlns:com="http://schemas.openxmlformats.org/drawingml/2006/compatibility" xmlns:p14="http://schemas.microsoft.com/office/powerpoint/2010/main">
+  <p:cSld>
+    <p:spTree>
+      <p:nvGrpSpPr>
+        <p:cNvPr id="148" name="Shape 148"/>
+        <p:cNvGrpSpPr/>
+        <p:nvPr/>
+      </p:nvGrpSpPr>
+      <p:grpSpPr>
+        <a:xfrm>
+          <a:off x="0" y="0"/>
+          <a:ext cx="0" cy="0"/>
+          <a:chOff x="0" y="0"/>
+          <a:chExt cx="0" cy="0"/>
+        </a:xfrm>
+      </p:grpSpPr>
+      <p:sp>
+        <p:nvSpPr>
+          <p:cNvPr id="149" name="Shape 149"/>
+          <p:cNvSpPr txBox="1"/>
+          <p:nvPr>
+            <p:ph type="title"/>
+          </p:nvPr>
+        </p:nvSpPr>
+        <p:spPr>
+          <a:xfrm>
+            <a:off x="311700" y="445025"/>
+            <a:ext cx="8520600" cy="572700"/>
+          </a:xfrm>
+          <a:prstGeom prst="rect">
+            <a:avLst/>
+          </a:prstGeom>
+        </p:spPr>
+        <p:txBody>
+          <a:bodyPr anchorCtr="0" anchor="t" bIns="91425" lIns="91425" rIns="91425" tIns="91425">
+            <a:noAutofit/>
+          </a:bodyPr>
+          <a:lstStyle/>
+          <a:p>
+            <a:pPr lvl="0" algn="ctr">
+              <a:spcBef>
+                <a:spcPts val="0"/>
+              </a:spcBef>
+              <a:buNone/>
+            </a:pPr>
+            <a:r>
+              <a:rPr lang="en"/>
+              <a:t>Problems encountered and resolutions	</a:t>
+            </a:r>
+          </a:p>
+        </p:txBody>
+      </p:sp>
+      <p:sp>
+        <p:nvSpPr>
+          <p:cNvPr id="150" name="Shape 150"/>
+          <p:cNvSpPr txBox="1"/>
+          <p:nvPr>
+            <p:ph idx="1" type="body"/>
+          </p:nvPr>
+        </p:nvSpPr>
+        <p:spPr>
+          <a:xfrm>
+            <a:off x="311700" y="1152475"/>
+            <a:ext cx="8520600" cy="3416400"/>
+          </a:xfrm>
+          <a:prstGeom prst="rect">
+            <a:avLst/>
+          </a:prstGeom>
+        </p:spPr>
+        <p:txBody>
+          <a:bodyPr anchorCtr="0" anchor="t" bIns="91425" lIns="91425" rIns="91425" tIns="91425">
+            <a:noAutofit/>
+          </a:bodyPr>
+          <a:lstStyle/>
+          <a:p>
+            <a:pPr lvl="0" rtl="0">
+              <a:spcBef>
+                <a:spcPts val="0"/>
+              </a:spcBef>
+              <a:buNone/>
+            </a:pPr>
+            <a:r>
+              <a:rPr lang="en"/>
+              <a:t>Learning How to Use Github efficiently and effectively to maximize our productivity level</a:t>
+            </a:r>
+          </a:p>
+          <a:p>
+            <a:pPr lvl="0">
+              <a:spcBef>
+                <a:spcPts val="0"/>
+              </a:spcBef>
+              <a:buNone/>
+            </a:pPr>
+            <a:r>
+              <a:rPr lang="en"/>
+              <a:t>Realizing we have derailed away from the theme, which is “Horror”, we had to use very cheap stunts to implement into the game to get back the ambience.</a:t>
+            </a:r>
+          </a:p>
+        </p:txBody>
+      </p:sp>
+    </p:spTree>
+  </p:cSld>
+  <p:clrMapOvr>
+    <a:masterClrMapping/>
+  </p:clrMapOvr>
+  <p:transition spd="slow">
+    <p:cut/>
+  </p:transition>
+</p:sld>
+</file>
+
+<file path=ppt/slides/slide18.xml><?xml version="1.0" encoding="utf-8"?>
+<p:sld xmlns:a="http://schemas.openxmlformats.org/drawingml/2006/main" xmlns:r="http://schemas.openxmlformats.org/officeDocument/2006/relationships" xmlns:mc="http://schemas.openxmlformats.org/markup-compatibility/2006" xmlns:mv="urn:schemas-microsoft-com:mac:vml" xmlns:p="http://schemas.openxmlformats.org/presentationml/2006/main" xmlns:c="http://schemas.openxmlformats.org/drawingml/2006/chart" xmlns:dgm="http://schemas.openxmlformats.org/drawingml/2006/diagram" xmlns:o="urn:schemas-microsoft-com:office:office" xmlns:v="urn:schemas-microsoft-com:vml" xmlns:pvml="urn:schemas-microsoft-com:office:powerpoint" xmlns:com="http://schemas.openxmlformats.org/drawingml/2006/compatibility" xmlns:p14="http://schemas.microsoft.com/office/powerpoint/2010/main">
+  <p:cSld>
+    <p:spTree>
+      <p:nvGrpSpPr>
+        <p:cNvPr id="154" name="Shape 154"/>
+        <p:cNvGrpSpPr/>
+        <p:nvPr/>
+      </p:nvGrpSpPr>
+      <p:grpSpPr>
+        <a:xfrm>
+          <a:off x="0" y="0"/>
+          <a:ext cx="0" cy="0"/>
+          <a:chOff x="0" y="0"/>
+          <a:chExt cx="0" cy="0"/>
+        </a:xfrm>
+      </p:grpSpPr>
+      <p:sp>
+        <p:nvSpPr>
+          <p:cNvPr id="155" name="Shape 155"/>
+          <p:cNvSpPr txBox="1"/>
+          <p:nvPr>
+            <p:ph type="title"/>
+          </p:nvPr>
+        </p:nvSpPr>
+        <p:spPr>
+          <a:xfrm>
+            <a:off x="311700" y="445025"/>
+            <a:ext cx="8520600" cy="572700"/>
+          </a:xfrm>
+          <a:prstGeom prst="rect">
+            <a:avLst/>
+          </a:prstGeom>
+        </p:spPr>
+        <p:txBody>
+          <a:bodyPr anchorCtr="0" anchor="t" bIns="91425" lIns="91425" rIns="91425" tIns="91425">
+            <a:noAutofit/>
+          </a:bodyPr>
+          <a:lstStyle/>
+          <a:p>
+            <a:pPr lvl="0" algn="ctr">
+              <a:spcBef>
+                <a:spcPts val="0"/>
+              </a:spcBef>
+              <a:buNone/>
+            </a:pPr>
+            <a:r>
+              <a:rPr lang="en"/>
+              <a:t>Best of SP2</a:t>
+            </a:r>
+          </a:p>
+        </p:txBody>
+      </p:sp>
+      <p:sp>
+        <p:nvSpPr>
+          <p:cNvPr id="156" name="Shape 156"/>
+          <p:cNvSpPr txBox="1"/>
+          <p:nvPr>
+            <p:ph idx="1" type="body"/>
+          </p:nvPr>
+        </p:nvSpPr>
+        <p:spPr>
+          <a:xfrm>
+            <a:off x="311700" y="1152475"/>
+            <a:ext cx="8520600" cy="3416400"/>
+          </a:xfrm>
+          <a:prstGeom prst="rect">
+            <a:avLst/>
+          </a:prstGeom>
+        </p:spPr>
+        <p:txBody>
+          <a:bodyPr anchorCtr="0" anchor="t" bIns="91425" lIns="91425" rIns="91425" tIns="91425">
+            <a:noAutofit/>
+          </a:bodyPr>
+          <a:lstStyle/>
+          <a:p>
+            <a:pPr lvl="0" rtl="0" algn="ctr">
+              <a:spcBef>
+                <a:spcPts val="0"/>
+              </a:spcBef>
+              <a:buNone/>
+            </a:pPr>
+            <a:r>
+              <a:rPr lang="en"/>
+              <a:t>When our scenes  get to work all together within the second week, it was finally seeing the end of the path.</a:t>
+            </a:r>
+          </a:p>
+          <a:p>
+            <a:pPr lvl="0" algn="ctr">
+              <a:spcBef>
+                <a:spcPts val="0"/>
+              </a:spcBef>
+              <a:buNone/>
+            </a:pPr>
+            <a:r>
+              <a:rPr lang="en"/>
+              <a:t>The satisfaction of the getting the codes to work after days long of work with barely any sleep</a:t>
+            </a:r>
+          </a:p>
+        </p:txBody>
+      </p:sp>
+    </p:spTree>
+  </p:cSld>
+  <p:clrMapOvr>
+    <a:masterClrMapping/>
+  </p:clrMapOvr>
+  <p:transition spd="slow">
+    <p:cut/>
+  </p:transition>
+</p:sld>
+</file>
+
+<file path=ppt/slides/slide19.xml><?xml version="1.0" encoding="utf-8"?>
+<p:sld xmlns:a="http://schemas.openxmlformats.org/drawingml/2006/main" xmlns:r="http://schemas.openxmlformats.org/officeDocument/2006/relationships" xmlns:mc="http://schemas.openxmlformats.org/markup-compatibility/2006" xmlns:mv="urn:schemas-microsoft-com:mac:vml" xmlns:p="http://schemas.openxmlformats.org/presentationml/2006/main" xmlns:c="http://schemas.openxmlformats.org/drawingml/2006/chart" xmlns:dgm="http://schemas.openxmlformats.org/drawingml/2006/diagram" xmlns:o="urn:schemas-microsoft-com:office:office" xmlns:v="urn:schemas-microsoft-com:vml" xmlns:pvml="urn:schemas-microsoft-com:office:powerpoint" xmlns:com="http://schemas.openxmlformats.org/drawingml/2006/compatibility" xmlns:p14="http://schemas.microsoft.com/office/powerpoint/2010/main">
+  <p:cSld>
+    <p:spTree>
+      <p:nvGrpSpPr>
+        <p:cNvPr id="160" name="Shape 160"/>
+        <p:cNvGrpSpPr/>
+        <p:nvPr/>
+      </p:nvGrpSpPr>
+      <p:grpSpPr>
+        <a:xfrm>
+          <a:off x="0" y="0"/>
+          <a:ext cx="0" cy="0"/>
+          <a:chOff x="0" y="0"/>
+          <a:chExt cx="0" cy="0"/>
+        </a:xfrm>
+      </p:grpSpPr>
+      <p:sp>
+        <p:nvSpPr>
+          <p:cNvPr id="161" name="Shape 161"/>
+          <p:cNvSpPr txBox="1"/>
+          <p:nvPr>
+            <p:ph type="title"/>
+          </p:nvPr>
+        </p:nvSpPr>
+        <p:spPr>
+          <a:xfrm>
+            <a:off x="311700" y="445025"/>
+            <a:ext cx="8520600" cy="572700"/>
+          </a:xfrm>
+          <a:prstGeom prst="rect">
+            <a:avLst/>
+          </a:prstGeom>
+        </p:spPr>
+        <p:txBody>
+          <a:bodyPr anchorCtr="0" anchor="t" bIns="91425" lIns="91425" rIns="91425" tIns="91425">
+            <a:noAutofit/>
+          </a:bodyPr>
+          <a:lstStyle/>
+          <a:p>
+            <a:pPr lvl="0" algn="ctr">
+              <a:spcBef>
+                <a:spcPts val="0"/>
+              </a:spcBef>
+              <a:buNone/>
+            </a:pPr>
+            <a:r>
+              <a:rPr lang="en"/>
+              <a:t>Worst of SP2</a:t>
+            </a:r>
+          </a:p>
+        </p:txBody>
+      </p:sp>
+      <p:sp>
+        <p:nvSpPr>
+          <p:cNvPr id="162" name="Shape 162"/>
+          <p:cNvSpPr txBox="1"/>
+          <p:nvPr>
+            <p:ph idx="1" type="body"/>
+          </p:nvPr>
+        </p:nvSpPr>
+        <p:spPr>
+          <a:xfrm>
+            <a:off x="311700" y="1152475"/>
+            <a:ext cx="8520600" cy="3416400"/>
+          </a:xfrm>
+          <a:prstGeom prst="rect">
+            <a:avLst/>
+          </a:prstGeom>
+        </p:spPr>
+        <p:txBody>
+          <a:bodyPr anchorCtr="0" anchor="t" bIns="91425" lIns="91425" rIns="91425" tIns="91425">
+            <a:noAutofit/>
+          </a:bodyPr>
+          <a:lstStyle/>
+          <a:p>
+            <a:pPr lvl="0" rtl="0">
+              <a:spcBef>
+                <a:spcPts val="0"/>
+              </a:spcBef>
+              <a:buNone/>
+            </a:pPr>
+            <a:r>
+              <a:rPr lang="en"/>
+              <a:t>As a leader, I realize sometimes taking control is better than giving the freedom to the team-mates to complete their work, especially during the storming period.</a:t>
+            </a:r>
+          </a:p>
+          <a:p>
+            <a:pPr lvl="0" rtl="0">
+              <a:spcBef>
+                <a:spcPts val="0"/>
+              </a:spcBef>
+              <a:buNone/>
+            </a:pPr>
+            <a:r>
+              <a:t/>
+            </a:r>
+            <a:endParaRPr/>
+          </a:p>
+          <a:p>
+            <a:pPr lvl="0">
+              <a:spcBef>
+                <a:spcPts val="0"/>
+              </a:spcBef>
+              <a:buNone/>
+            </a:pPr>
+            <a:r>
+              <a:rPr lang="en"/>
+              <a:t>Many of the features which was planned by me (Benny) was not implemented due to our very slow start, which resulted in many cuts of features.</a:t>
             </a:r>
           </a:p>
         </p:txBody>
@@ -5454,6 +7626,634 @@
 </p:sld>
 </file>
 
+<file path=ppt/slides/slide20.xml><?xml version="1.0" encoding="utf-8"?>
+<p:sld xmlns:a="http://schemas.openxmlformats.org/drawingml/2006/main" xmlns:r="http://schemas.openxmlformats.org/officeDocument/2006/relationships" xmlns:mc="http://schemas.openxmlformats.org/markup-compatibility/2006" xmlns:mv="urn:schemas-microsoft-com:mac:vml" xmlns:p="http://schemas.openxmlformats.org/presentationml/2006/main" xmlns:c="http://schemas.openxmlformats.org/drawingml/2006/chart" xmlns:dgm="http://schemas.openxmlformats.org/drawingml/2006/diagram" xmlns:o="urn:schemas-microsoft-com:office:office" xmlns:v="urn:schemas-microsoft-com:vml" xmlns:pvml="urn:schemas-microsoft-com:office:powerpoint" xmlns:com="http://schemas.openxmlformats.org/drawingml/2006/compatibility" xmlns:p14="http://schemas.microsoft.com/office/powerpoint/2010/main">
+  <p:cSld>
+    <p:spTree>
+      <p:nvGrpSpPr>
+        <p:cNvPr id="166" name="Shape 166"/>
+        <p:cNvGrpSpPr/>
+        <p:nvPr/>
+      </p:nvGrpSpPr>
+      <p:grpSpPr>
+        <a:xfrm>
+          <a:off x="0" y="0"/>
+          <a:ext cx="0" cy="0"/>
+          <a:chOff x="0" y="0"/>
+          <a:chExt cx="0" cy="0"/>
+        </a:xfrm>
+      </p:grpSpPr>
+      <p:sp>
+        <p:nvSpPr>
+          <p:cNvPr id="167" name="Shape 167"/>
+          <p:cNvSpPr txBox="1"/>
+          <p:nvPr>
+            <p:ph type="title"/>
+          </p:nvPr>
+        </p:nvSpPr>
+        <p:spPr>
+          <a:xfrm>
+            <a:off x="311700" y="445025"/>
+            <a:ext cx="8520600" cy="572700"/>
+          </a:xfrm>
+          <a:prstGeom prst="rect">
+            <a:avLst/>
+          </a:prstGeom>
+        </p:spPr>
+        <p:txBody>
+          <a:bodyPr anchorCtr="0" anchor="t" bIns="91425" lIns="91425" rIns="91425" tIns="91425">
+            <a:noAutofit/>
+          </a:bodyPr>
+          <a:lstStyle/>
+          <a:p>
+            <a:pPr lvl="0" rtl="0" algn="ctr">
+              <a:spcBef>
+                <a:spcPts val="0"/>
+              </a:spcBef>
+              <a:buNone/>
+            </a:pPr>
+            <a:r>
+              <a:rPr lang="en"/>
+              <a:t>What could have been done better</a:t>
+            </a:r>
+          </a:p>
+          <a:p>
+            <a:pPr lvl="0" algn="ctr">
+              <a:spcBef>
+                <a:spcPts val="0"/>
+              </a:spcBef>
+              <a:buNone/>
+            </a:pPr>
+            <a:r>
+              <a:t/>
+            </a:r>
+            <a:endParaRPr/>
+          </a:p>
+        </p:txBody>
+      </p:sp>
+      <p:sp>
+        <p:nvSpPr>
+          <p:cNvPr id="168" name="Shape 168"/>
+          <p:cNvSpPr txBox="1"/>
+          <p:nvPr>
+            <p:ph idx="1" type="body"/>
+          </p:nvPr>
+        </p:nvSpPr>
+        <p:spPr>
+          <a:xfrm>
+            <a:off x="311700" y="1152475"/>
+            <a:ext cx="8520600" cy="3416400"/>
+          </a:xfrm>
+          <a:prstGeom prst="rect">
+            <a:avLst/>
+          </a:prstGeom>
+        </p:spPr>
+        <p:txBody>
+          <a:bodyPr anchorCtr="0" anchor="t" bIns="91425" lIns="91425" rIns="91425" tIns="91425">
+            <a:noAutofit/>
+          </a:bodyPr>
+          <a:lstStyle/>
+          <a:p>
+            <a:pPr lvl="0" rtl="0">
+              <a:spcBef>
+                <a:spcPts val="0"/>
+              </a:spcBef>
+              <a:buNone/>
+            </a:pPr>
+            <a:r>
+              <a:rPr lang="en"/>
+              <a:t>Truly implement the horror, because we felt that the horror did not scare us as much as we expected.</a:t>
+            </a:r>
+          </a:p>
+          <a:p>
+            <a:pPr lvl="0" rtl="0">
+              <a:spcBef>
+                <a:spcPts val="0"/>
+              </a:spcBef>
+              <a:buNone/>
+            </a:pPr>
+            <a:r>
+              <a:rPr lang="en"/>
+              <a:t>Made fighting more dynamic and more enjoyable instead of just being a click-fest.</a:t>
+            </a:r>
+          </a:p>
+          <a:p>
+            <a:pPr lvl="0">
+              <a:spcBef>
+                <a:spcPts val="0"/>
+              </a:spcBef>
+              <a:buNone/>
+            </a:pPr>
+            <a:r>
+              <a:rPr lang="en"/>
+              <a:t>Monster AI, as they do not use advanced pathfinding algorithms.</a:t>
+            </a:r>
+          </a:p>
+        </p:txBody>
+      </p:sp>
+    </p:spTree>
+  </p:cSld>
+  <p:clrMapOvr>
+    <a:masterClrMapping/>
+  </p:clrMapOvr>
+  <p:transition spd="slow">
+    <p:cut/>
+  </p:transition>
+</p:sld>
+</file>
+
+<file path=ppt/slides/slide21.xml><?xml version="1.0" encoding="utf-8"?>
+<p:sld xmlns:a="http://schemas.openxmlformats.org/drawingml/2006/main" xmlns:r="http://schemas.openxmlformats.org/officeDocument/2006/relationships" xmlns:mc="http://schemas.openxmlformats.org/markup-compatibility/2006" xmlns:mv="urn:schemas-microsoft-com:mac:vml" xmlns:p="http://schemas.openxmlformats.org/presentationml/2006/main" xmlns:c="http://schemas.openxmlformats.org/drawingml/2006/chart" xmlns:dgm="http://schemas.openxmlformats.org/drawingml/2006/diagram" xmlns:o="urn:schemas-microsoft-com:office:office" xmlns:v="urn:schemas-microsoft-com:vml" xmlns:pvml="urn:schemas-microsoft-com:office:powerpoint" xmlns:com="http://schemas.openxmlformats.org/drawingml/2006/compatibility" xmlns:p14="http://schemas.microsoft.com/office/powerpoint/2010/main">
+  <p:cSld>
+    <p:spTree>
+      <p:nvGrpSpPr>
+        <p:cNvPr id="172" name="Shape 172"/>
+        <p:cNvGrpSpPr/>
+        <p:nvPr/>
+      </p:nvGrpSpPr>
+      <p:grpSpPr>
+        <a:xfrm>
+          <a:off x="0" y="0"/>
+          <a:ext cx="0" cy="0"/>
+          <a:chOff x="0" y="0"/>
+          <a:chExt cx="0" cy="0"/>
+        </a:xfrm>
+      </p:grpSpPr>
+      <p:sp>
+        <p:nvSpPr>
+          <p:cNvPr id="173" name="Shape 173"/>
+          <p:cNvSpPr txBox="1"/>
+          <p:nvPr>
+            <p:ph type="title"/>
+          </p:nvPr>
+        </p:nvSpPr>
+        <p:spPr>
+          <a:xfrm>
+            <a:off x="311700" y="292450"/>
+            <a:ext cx="8520600" cy="572700"/>
+          </a:xfrm>
+          <a:prstGeom prst="rect">
+            <a:avLst/>
+          </a:prstGeom>
+        </p:spPr>
+        <p:txBody>
+          <a:bodyPr anchorCtr="0" anchor="t" bIns="91425" lIns="91425" rIns="91425" tIns="91425">
+            <a:noAutofit/>
+          </a:bodyPr>
+          <a:lstStyle/>
+          <a:p>
+            <a:pPr lvl="0" algn="ctr">
+              <a:spcBef>
+                <a:spcPts val="0"/>
+              </a:spcBef>
+              <a:buNone/>
+            </a:pPr>
+            <a:r>
+              <a:rPr lang="en"/>
+              <a:t>Gameplay</a:t>
+            </a:r>
+          </a:p>
+        </p:txBody>
+      </p:sp>
+      <p:sp>
+        <p:nvSpPr>
+          <p:cNvPr id="174" name="Shape 174"/>
+          <p:cNvSpPr txBox="1"/>
+          <p:nvPr>
+            <p:ph idx="1" type="body"/>
+          </p:nvPr>
+        </p:nvSpPr>
+        <p:spPr>
+          <a:xfrm>
+            <a:off x="311700" y="1017725"/>
+            <a:ext cx="8520600" cy="3495600"/>
+          </a:xfrm>
+          <a:prstGeom prst="rect">
+            <a:avLst/>
+          </a:prstGeom>
+        </p:spPr>
+        <p:txBody>
+          <a:bodyPr anchorCtr="0" anchor="t" bIns="91425" lIns="91425" rIns="91425" tIns="91425">
+            <a:noAutofit/>
+          </a:bodyPr>
+          <a:lstStyle/>
+          <a:p>
+            <a:pPr lvl="0" rtl="0">
+              <a:spcBef>
+                <a:spcPts val="0"/>
+              </a:spcBef>
+              <a:buNone/>
+            </a:pPr>
+            <a:r>
+              <a:rPr lang="en"/>
+              <a:t>Basic Movements</a:t>
+            </a:r>
+          </a:p>
+          <a:p>
+            <a:pPr lvl="0" rtl="0">
+              <a:spcBef>
+                <a:spcPts val="0"/>
+              </a:spcBef>
+              <a:buNone/>
+            </a:pPr>
+            <a:r>
+              <a:rPr lang="en"/>
+              <a:t>W, A, S, D: Player Movements.</a:t>
+            </a:r>
+          </a:p>
+          <a:p>
+            <a:pPr lvl="0" rtl="0">
+              <a:spcBef>
+                <a:spcPts val="0"/>
+              </a:spcBef>
+              <a:buNone/>
+            </a:pPr>
+            <a:r>
+              <a:rPr lang="en"/>
+              <a:t>Mouse Controls: Camera Rotation around the player.</a:t>
+            </a:r>
+          </a:p>
+          <a:p>
+            <a:pPr lvl="0" rtl="0">
+              <a:spcBef>
+                <a:spcPts val="0"/>
+              </a:spcBef>
+              <a:buNone/>
+            </a:pPr>
+            <a:r>
+              <a:rPr lang="en"/>
+              <a:t>E button: Interaction between objects</a:t>
+            </a:r>
+          </a:p>
+          <a:p>
+            <a:pPr lvl="0" rtl="0">
+              <a:spcBef>
+                <a:spcPts val="0"/>
+              </a:spcBef>
+              <a:buNone/>
+            </a:pPr>
+            <a:r>
+              <a:rPr lang="en"/>
+              <a:t>Left Mouse-click: Using of tools</a:t>
+            </a:r>
+          </a:p>
+          <a:p>
+            <a:pPr lvl="0" rtl="0">
+              <a:spcBef>
+                <a:spcPts val="0"/>
+              </a:spcBef>
+              <a:buNone/>
+            </a:pPr>
+            <a:r>
+              <a:rPr lang="en"/>
+              <a:t>Mouse Right-click: Used for switches.</a:t>
+            </a:r>
+          </a:p>
+          <a:p>
+            <a:pPr lvl="0">
+              <a:spcBef>
+                <a:spcPts val="0"/>
+              </a:spcBef>
+              <a:buNone/>
+            </a:pPr>
+            <a:r>
+              <a:rPr lang="en"/>
+              <a:t>Left Shift: Sprinting</a:t>
+            </a:r>
+          </a:p>
+        </p:txBody>
+      </p:sp>
+    </p:spTree>
+  </p:cSld>
+  <p:clrMapOvr>
+    <a:masterClrMapping/>
+  </p:clrMapOvr>
+  <p:transition spd="slow">
+    <p:cut/>
+  </p:transition>
+</p:sld>
+</file>
+
+<file path=ppt/slides/slide22.xml><?xml version="1.0" encoding="utf-8"?>
+<p:sld xmlns:a="http://schemas.openxmlformats.org/drawingml/2006/main" xmlns:r="http://schemas.openxmlformats.org/officeDocument/2006/relationships" xmlns:mc="http://schemas.openxmlformats.org/markup-compatibility/2006" xmlns:mv="urn:schemas-microsoft-com:mac:vml" xmlns:p="http://schemas.openxmlformats.org/presentationml/2006/main" xmlns:c="http://schemas.openxmlformats.org/drawingml/2006/chart" xmlns:dgm="http://schemas.openxmlformats.org/drawingml/2006/diagram" xmlns:o="urn:schemas-microsoft-com:office:office" xmlns:v="urn:schemas-microsoft-com:vml" xmlns:pvml="urn:schemas-microsoft-com:office:powerpoint" xmlns:com="http://schemas.openxmlformats.org/drawingml/2006/compatibility" xmlns:p14="http://schemas.microsoft.com/office/powerpoint/2010/main">
+  <p:cSld>
+    <p:spTree>
+      <p:nvGrpSpPr>
+        <p:cNvPr id="178" name="Shape 178"/>
+        <p:cNvGrpSpPr/>
+        <p:nvPr/>
+      </p:nvGrpSpPr>
+      <p:grpSpPr>
+        <a:xfrm>
+          <a:off x="0" y="0"/>
+          <a:ext cx="0" cy="0"/>
+          <a:chOff x="0" y="0"/>
+          <a:chExt cx="0" cy="0"/>
+        </a:xfrm>
+      </p:grpSpPr>
+      <p:sp>
+        <p:nvSpPr>
+          <p:cNvPr id="179" name="Shape 179"/>
+          <p:cNvSpPr txBox="1"/>
+          <p:nvPr>
+            <p:ph type="title"/>
+          </p:nvPr>
+        </p:nvSpPr>
+        <p:spPr>
+          <a:xfrm>
+            <a:off x="311700" y="2150850"/>
+            <a:ext cx="8520600" cy="841800"/>
+          </a:xfrm>
+          <a:prstGeom prst="rect">
+            <a:avLst/>
+          </a:prstGeom>
+        </p:spPr>
+        <p:txBody>
+          <a:bodyPr anchorCtr="0" anchor="ctr" bIns="91425" lIns="91425" rIns="91425" tIns="91425">
+            <a:noAutofit/>
+          </a:bodyPr>
+          <a:lstStyle/>
+          <a:p>
+            <a:pPr lvl="0">
+              <a:spcBef>
+                <a:spcPts val="0"/>
+              </a:spcBef>
+              <a:buNone/>
+            </a:pPr>
+            <a:r>
+              <a:rPr lang="en"/>
+              <a:t>Video and gameplay</a:t>
+            </a:r>
+          </a:p>
+        </p:txBody>
+      </p:sp>
+    </p:spTree>
+  </p:cSld>
+  <p:clrMapOvr>
+    <a:masterClrMapping/>
+  </p:clrMapOvr>
+  <p:transition spd="slow">
+    <p:cut/>
+  </p:transition>
+</p:sld>
+</file>
+
+<file path=ppt/slides/slide23.xml><?xml version="1.0" encoding="utf-8"?>
+<p:sld xmlns:a="http://schemas.openxmlformats.org/drawingml/2006/main" xmlns:r="http://schemas.openxmlformats.org/officeDocument/2006/relationships" xmlns:mc="http://schemas.openxmlformats.org/markup-compatibility/2006" xmlns:mv="urn:schemas-microsoft-com:mac:vml" xmlns:p="http://schemas.openxmlformats.org/presentationml/2006/main" xmlns:c="http://schemas.openxmlformats.org/drawingml/2006/chart" xmlns:dgm="http://schemas.openxmlformats.org/drawingml/2006/diagram" xmlns:o="urn:schemas-microsoft-com:office:office" xmlns:v="urn:schemas-microsoft-com:vml" xmlns:pvml="urn:schemas-microsoft-com:office:powerpoint" xmlns:com="http://schemas.openxmlformats.org/drawingml/2006/compatibility" xmlns:p14="http://schemas.microsoft.com/office/powerpoint/2010/main">
+  <p:cSld>
+    <p:spTree>
+      <p:nvGrpSpPr>
+        <p:cNvPr id="183" name="Shape 183"/>
+        <p:cNvGrpSpPr/>
+        <p:nvPr/>
+      </p:nvGrpSpPr>
+      <p:grpSpPr>
+        <a:xfrm>
+          <a:off x="0" y="0"/>
+          <a:ext cx="0" cy="0"/>
+          <a:chOff x="0" y="0"/>
+          <a:chExt cx="0" cy="0"/>
+        </a:xfrm>
+      </p:grpSpPr>
+      <p:sp>
+        <p:nvSpPr>
+          <p:cNvPr id="184" name="Shape 184"/>
+          <p:cNvSpPr txBox="1"/>
+          <p:nvPr>
+            <p:ph type="title"/>
+          </p:nvPr>
+        </p:nvSpPr>
+        <p:spPr>
+          <a:xfrm>
+            <a:off x="311700" y="2150850"/>
+            <a:ext cx="8520600" cy="841800"/>
+          </a:xfrm>
+          <a:prstGeom prst="rect">
+            <a:avLst/>
+          </a:prstGeom>
+        </p:spPr>
+        <p:txBody>
+          <a:bodyPr anchorCtr="0" anchor="ctr" bIns="91425" lIns="91425" rIns="91425" tIns="91425">
+            <a:noAutofit/>
+          </a:bodyPr>
+          <a:lstStyle/>
+          <a:p>
+            <a:pPr lvl="0">
+              <a:spcBef>
+                <a:spcPts val="0"/>
+              </a:spcBef>
+              <a:buNone/>
+            </a:pPr>
+            <a:r>
+              <a:rPr lang="en"/>
+              <a:t>Code Walkthrough</a:t>
+            </a:r>
+          </a:p>
+        </p:txBody>
+      </p:sp>
+    </p:spTree>
+  </p:cSld>
+  <p:clrMapOvr>
+    <a:masterClrMapping/>
+  </p:clrMapOvr>
+  <p:transition spd="slow">
+    <p:cut/>
+  </p:transition>
+</p:sld>
+</file>
+
+<file path=ppt/slides/slide24.xml><?xml version="1.0" encoding="utf-8"?>
+<p:sld xmlns:a="http://schemas.openxmlformats.org/drawingml/2006/main" xmlns:r="http://schemas.openxmlformats.org/officeDocument/2006/relationships" xmlns:mc="http://schemas.openxmlformats.org/markup-compatibility/2006" xmlns:mv="urn:schemas-microsoft-com:mac:vml" xmlns:p="http://schemas.openxmlformats.org/presentationml/2006/main" xmlns:c="http://schemas.openxmlformats.org/drawingml/2006/chart" xmlns:dgm="http://schemas.openxmlformats.org/drawingml/2006/diagram" xmlns:o="urn:schemas-microsoft-com:office:office" xmlns:v="urn:schemas-microsoft-com:vml" xmlns:pvml="urn:schemas-microsoft-com:office:powerpoint" xmlns:com="http://schemas.openxmlformats.org/drawingml/2006/compatibility" xmlns:p14="http://schemas.microsoft.com/office/powerpoint/2010/main">
+  <p:cSld>
+    <p:spTree>
+      <p:nvGrpSpPr>
+        <p:cNvPr id="188" name="Shape 188"/>
+        <p:cNvGrpSpPr/>
+        <p:nvPr/>
+      </p:nvGrpSpPr>
+      <p:grpSpPr>
+        <a:xfrm>
+          <a:off x="0" y="0"/>
+          <a:ext cx="0" cy="0"/>
+          <a:chOff x="0" y="0"/>
+          <a:chExt cx="0" cy="0"/>
+        </a:xfrm>
+      </p:grpSpPr>
+      <p:sp>
+        <p:nvSpPr>
+          <p:cNvPr id="189" name="Shape 189"/>
+          <p:cNvSpPr txBox="1"/>
+          <p:nvPr>
+            <p:ph type="title"/>
+          </p:nvPr>
+        </p:nvSpPr>
+        <p:spPr>
+          <a:xfrm>
+            <a:off x="311700" y="2150850"/>
+            <a:ext cx="8520600" cy="841800"/>
+          </a:xfrm>
+          <a:prstGeom prst="rect">
+            <a:avLst/>
+          </a:prstGeom>
+        </p:spPr>
+        <p:txBody>
+          <a:bodyPr anchorCtr="0" anchor="ctr" bIns="91425" lIns="91425" rIns="91425" tIns="91425">
+            <a:noAutofit/>
+          </a:bodyPr>
+          <a:lstStyle/>
+          <a:p>
+            <a:pPr lvl="0">
+              <a:spcBef>
+                <a:spcPts val="0"/>
+              </a:spcBef>
+              <a:buNone/>
+            </a:pPr>
+            <a:r>
+              <a:rPr lang="en"/>
+              <a:t>Q &amp; A</a:t>
+            </a:r>
+          </a:p>
+        </p:txBody>
+      </p:sp>
+    </p:spTree>
+  </p:cSld>
+  <p:clrMapOvr>
+    <a:masterClrMapping/>
+  </p:clrMapOvr>
+  <p:transition spd="slow">
+    <p:cut/>
+  </p:transition>
+</p:sld>
+</file>
+
+<file path=ppt/slides/slide25.xml><?xml version="1.0" encoding="utf-8"?>
+<p:sld xmlns:a="http://schemas.openxmlformats.org/drawingml/2006/main" xmlns:r="http://schemas.openxmlformats.org/officeDocument/2006/relationships" xmlns:mc="http://schemas.openxmlformats.org/markup-compatibility/2006" xmlns:mv="urn:schemas-microsoft-com:mac:vml" xmlns:p="http://schemas.openxmlformats.org/presentationml/2006/main" xmlns:c="http://schemas.openxmlformats.org/drawingml/2006/chart" xmlns:dgm="http://schemas.openxmlformats.org/drawingml/2006/diagram" xmlns:o="urn:schemas-microsoft-com:office:office" xmlns:v="urn:schemas-microsoft-com:vml" xmlns:pvml="urn:schemas-microsoft-com:office:powerpoint" xmlns:com="http://schemas.openxmlformats.org/drawingml/2006/compatibility" xmlns:p14="http://schemas.microsoft.com/office/powerpoint/2010/main">
+  <p:cSld>
+    <p:spTree>
+      <p:nvGrpSpPr>
+        <p:cNvPr id="193" name="Shape 193"/>
+        <p:cNvGrpSpPr/>
+        <p:nvPr/>
+      </p:nvGrpSpPr>
+      <p:grpSpPr>
+        <a:xfrm>
+          <a:off x="0" y="0"/>
+          <a:ext cx="0" cy="0"/>
+          <a:chOff x="0" y="0"/>
+          <a:chExt cx="0" cy="0"/>
+        </a:xfrm>
+      </p:grpSpPr>
+      <p:sp>
+        <p:nvSpPr>
+          <p:cNvPr id="194" name="Shape 194"/>
+          <p:cNvSpPr txBox="1"/>
+          <p:nvPr>
+            <p:ph type="title"/>
+          </p:nvPr>
+        </p:nvSpPr>
+        <p:spPr>
+          <a:xfrm>
+            <a:off x="311700" y="2150850"/>
+            <a:ext cx="8520600" cy="841800"/>
+          </a:xfrm>
+          <a:prstGeom prst="rect">
+            <a:avLst/>
+          </a:prstGeom>
+        </p:spPr>
+        <p:txBody>
+          <a:bodyPr anchorCtr="0" anchor="ctr" bIns="91425" lIns="91425" rIns="91425" tIns="91425">
+            <a:noAutofit/>
+          </a:bodyPr>
+          <a:lstStyle/>
+          <a:p>
+            <a:pPr lvl="0">
+              <a:spcBef>
+                <a:spcPts val="0"/>
+              </a:spcBef>
+              <a:buNone/>
+            </a:pPr>
+            <a:r>
+              <a:rPr lang="en"/>
+              <a:t>Code Walkthrough</a:t>
+            </a:r>
+          </a:p>
+        </p:txBody>
+      </p:sp>
+    </p:spTree>
+  </p:cSld>
+  <p:clrMapOvr>
+    <a:masterClrMapping/>
+  </p:clrMapOvr>
+  <p:transition spd="slow">
+    <p:cut/>
+  </p:transition>
+</p:sld>
+</file>
+
+<file path=ppt/slides/slide26.xml><?xml version="1.0" encoding="utf-8"?>
+<p:sld xmlns:a="http://schemas.openxmlformats.org/drawingml/2006/main" xmlns:r="http://schemas.openxmlformats.org/officeDocument/2006/relationships" xmlns:mc="http://schemas.openxmlformats.org/markup-compatibility/2006" xmlns:mv="urn:schemas-microsoft-com:mac:vml" xmlns:p="http://schemas.openxmlformats.org/presentationml/2006/main" xmlns:c="http://schemas.openxmlformats.org/drawingml/2006/chart" xmlns:dgm="http://schemas.openxmlformats.org/drawingml/2006/diagram" xmlns:o="urn:schemas-microsoft-com:office:office" xmlns:v="urn:schemas-microsoft-com:vml" xmlns:pvml="urn:schemas-microsoft-com:office:powerpoint" xmlns:com="http://schemas.openxmlformats.org/drawingml/2006/compatibility" xmlns:p14="http://schemas.microsoft.com/office/powerpoint/2010/main">
+  <p:cSld>
+    <p:spTree>
+      <p:nvGrpSpPr>
+        <p:cNvPr id="198" name="Shape 198"/>
+        <p:cNvGrpSpPr/>
+        <p:nvPr/>
+      </p:nvGrpSpPr>
+      <p:grpSpPr>
+        <a:xfrm>
+          <a:off x="0" y="0"/>
+          <a:ext cx="0" cy="0"/>
+          <a:chOff x="0" y="0"/>
+          <a:chExt cx="0" cy="0"/>
+        </a:xfrm>
+      </p:grpSpPr>
+      <p:sp>
+        <p:nvSpPr>
+          <p:cNvPr id="199" name="Shape 199"/>
+          <p:cNvSpPr txBox="1"/>
+          <p:nvPr>
+            <p:ph type="title"/>
+          </p:nvPr>
+        </p:nvSpPr>
+        <p:spPr>
+          <a:xfrm>
+            <a:off x="311700" y="2150850"/>
+            <a:ext cx="8520600" cy="841800"/>
+          </a:xfrm>
+          <a:prstGeom prst="rect">
+            <a:avLst/>
+          </a:prstGeom>
+        </p:spPr>
+        <p:txBody>
+          <a:bodyPr anchorCtr="0" anchor="ctr" bIns="91425" lIns="91425" rIns="91425" tIns="91425">
+            <a:noAutofit/>
+          </a:bodyPr>
+          <a:lstStyle/>
+          <a:p>
+            <a:pPr lvl="0">
+              <a:spcBef>
+                <a:spcPts val="0"/>
+              </a:spcBef>
+              <a:buNone/>
+            </a:pPr>
+            <a:r>
+              <a:rPr lang="en"/>
+              <a:t>Q &amp; A</a:t>
+            </a:r>
+          </a:p>
+        </p:txBody>
+      </p:sp>
+    </p:spTree>
+  </p:cSld>
+  <p:clrMapOvr>
+    <a:masterClrMapping/>
+  </p:clrMapOvr>
+  <p:transition spd="slow">
+    <p:cut/>
+  </p:transition>
+</p:sld>
+</file>
+
 <file path=ppt/slides/slide3.xml><?xml version="1.0" encoding="utf-8"?>
 <p:sld xmlns:a="http://schemas.openxmlformats.org/drawingml/2006/main" xmlns:r="http://schemas.openxmlformats.org/officeDocument/2006/relationships" xmlns:mc="http://schemas.openxmlformats.org/markup-compatibility/2006" xmlns:mv="urn:schemas-microsoft-com:mac:vml" xmlns:p="http://schemas.openxmlformats.org/presentationml/2006/main" xmlns:c="http://schemas.openxmlformats.org/drawingml/2006/chart" xmlns:dgm="http://schemas.openxmlformats.org/drawingml/2006/diagram" xmlns:o="urn:schemas-microsoft-com:office:office" xmlns:v="urn:schemas-microsoft-com:vml" xmlns:pvml="urn:schemas-microsoft-com:office:powerpoint" xmlns:com="http://schemas.openxmlformats.org/drawingml/2006/compatibility" xmlns:p14="http://schemas.microsoft.com/office/powerpoint/2010/main">
   <p:cSld>
@@ -6419,6 +9219,285 @@
 </file>
 
 <file path=ppt/theme/theme1.xml><?xml version="1.0" encoding="utf-8"?>
+<a:theme xmlns:a="http://schemas.openxmlformats.org/drawingml/2006/main" xmlns:r="http://schemas.openxmlformats.org/officeDocument/2006/relationships" name="Custom Theme">
+  <a:themeElements>
+    <a:clrScheme name="Default">
+      <a:dk1>
+        <a:srgbClr val="000000"/>
+      </a:dk1>
+      <a:lt1>
+        <a:srgbClr val="FFFFFF"/>
+      </a:lt1>
+      <a:dk2>
+        <a:srgbClr val="158158"/>
+      </a:dk2>
+      <a:lt2>
+        <a:srgbClr val="F3F3F3"/>
+      </a:lt2>
+      <a:accent1>
+        <a:srgbClr val="058DC7"/>
+      </a:accent1>
+      <a:accent2>
+        <a:srgbClr val="50B432"/>
+      </a:accent2>
+      <a:accent3>
+        <a:srgbClr val="ED561B"/>
+      </a:accent3>
+      <a:accent4>
+        <a:srgbClr val="EDEF00"/>
+      </a:accent4>
+      <a:accent5>
+        <a:srgbClr val="24CBE5"/>
+      </a:accent5>
+      <a:accent6>
+        <a:srgbClr val="64E572"/>
+      </a:accent6>
+      <a:hlink>
+        <a:srgbClr val="2200CC"/>
+      </a:hlink>
+      <a:folHlink>
+        <a:srgbClr val="551A8B"/>
+      </a:folHlink>
+    </a:clrScheme>
+    <a:fontScheme name="Office">
+      <a:majorFont>
+        <a:latin typeface="Arial"/>
+        <a:ea typeface=""/>
+        <a:cs typeface=""/>
+        <a:font script="Jpan" typeface="ＭＳ Ｐゴシック"/>
+        <a:font script="Hang" typeface="맑은 고딕"/>
+        <a:font script="Hans" typeface="宋体"/>
+        <a:font script="Hant" typeface="新細明體"/>
+        <a:font script="Arab" typeface="Times New Roman"/>
+        <a:font script="Hebr" typeface="Times New Roman"/>
+        <a:font script="Thai" typeface="Angsana New"/>
+        <a:font script="Ethi" typeface="Nyala"/>
+        <a:font script="Beng" typeface="Vrinda"/>
+        <a:font script="Gujr" typeface="Shruti"/>
+        <a:font script="Khmr" typeface="MoolBoran"/>
+        <a:font script="Knda" typeface="Tunga"/>
+        <a:font script="Guru" typeface="Raavi"/>
+        <a:font script="Cans" typeface="Euphemia"/>
+        <a:font script="Cher" typeface="Plantagenet Cherokee"/>
+        <a:font script="Yiii" typeface="Microsoft Yi Baiti"/>
+        <a:font script="Tibt" typeface="Microsoft Himalaya"/>
+        <a:font script="Thaa" typeface="MV Boli"/>
+        <a:font script="Deva" typeface="Mangal"/>
+        <a:font script="Telu" typeface="Gautami"/>
+        <a:font script="Taml" typeface="Latha"/>
+        <a:font script="Syrc" typeface="Estrangelo Edessa"/>
+        <a:font script="Orya" typeface="Kalinga"/>
+        <a:font script="Mlym" typeface="Kartika"/>
+        <a:font script="Laoo" typeface="DokChampa"/>
+        <a:font script="Sinh" typeface="Iskoola Pota"/>
+        <a:font script="Mong" typeface="Mongolian Baiti"/>
+        <a:font script="Viet" typeface="Times New Roman"/>
+        <a:font script="Uigh" typeface="Microsoft Uighur"/>
+        <a:font script="Geor" typeface="Sylfaen"/>
+      </a:majorFont>
+      <a:minorFont>
+        <a:latin typeface="Arial"/>
+        <a:ea typeface=""/>
+        <a:cs typeface=""/>
+        <a:font script="Jpan" typeface="ＭＳ Ｐゴシック"/>
+        <a:font script="Hang" typeface="맑은 고딕"/>
+        <a:font script="Hans" typeface="宋体"/>
+        <a:font script="Hant" typeface="新細明體"/>
+        <a:font script="Arab" typeface="Arial"/>
+        <a:font script="Hebr" typeface="Arial"/>
+        <a:font script="Thai" typeface="Cordia New"/>
+        <a:font script="Ethi" typeface="Nyala"/>
+        <a:font script="Beng" typeface="Vrinda"/>
+        <a:font script="Gujr" typeface="Shruti"/>
+        <a:font script="Khmr" typeface="DaunPenh"/>
+        <a:font script="Knda" typeface="Tunga"/>
+        <a:font script="Guru" typeface="Raavi"/>
+        <a:font script="Cans" typeface="Euphemia"/>
+        <a:font script="Cher" typeface="Plantagenet Cherokee"/>
+        <a:font script="Yiii" typeface="Microsoft Yi Baiti"/>
+        <a:font script="Tibt" typeface="Microsoft Himalaya"/>
+        <a:font script="Thaa" typeface="MV Boli"/>
+        <a:font script="Deva" typeface="Mangal"/>
+        <a:font script="Telu" typeface="Gautami"/>
+        <a:font script="Taml" typeface="Latha"/>
+        <a:font script="Syrc" typeface="Estrangelo Edessa"/>
+        <a:font script="Orya" typeface="Kalinga"/>
+        <a:font script="Mlym" typeface="Kartika"/>
+        <a:font script="Laoo" typeface="DokChampa"/>
+        <a:font script="Sinh" typeface="Iskoola Pota"/>
+        <a:font script="Mong" typeface="Mongolian Baiti"/>
+        <a:font script="Viet" typeface="Arial"/>
+        <a:font script="Uigh" typeface="Microsoft Uighur"/>
+        <a:font script="Geor" typeface="Sylfaen"/>
+      </a:minorFont>
+    </a:fontScheme>
+    <a:fmtScheme name="Office">
+      <a:fillStyleLst>
+        <a:solidFill>
+          <a:schemeClr val="phClr"/>
+        </a:solidFill>
+        <a:gradFill rotWithShape="1">
+          <a:gsLst>
+            <a:gs pos="0">
+              <a:schemeClr val="phClr">
+                <a:tint val="50000"/>
+                <a:satMod val="300000"/>
+              </a:schemeClr>
+            </a:gs>
+            <a:gs pos="35000">
+              <a:schemeClr val="phClr">
+                <a:tint val="37000"/>
+                <a:satMod val="300000"/>
+              </a:schemeClr>
+            </a:gs>
+            <a:gs pos="100000">
+              <a:schemeClr val="phClr">
+                <a:tint val="15000"/>
+                <a:satMod val="350000"/>
+              </a:schemeClr>
+            </a:gs>
+          </a:gsLst>
+          <a:lin ang="16200000" scaled="1"/>
+        </a:gradFill>
+        <a:gradFill rotWithShape="1">
+          <a:gsLst>
+            <a:gs pos="0">
+              <a:schemeClr val="phClr">
+                <a:tint val="100000"/>
+                <a:shade val="100000"/>
+                <a:satMod val="130000"/>
+              </a:schemeClr>
+            </a:gs>
+            <a:gs pos="100000">
+              <a:schemeClr val="phClr">
+                <a:tint val="50000"/>
+                <a:shade val="100000"/>
+                <a:satMod val="350000"/>
+              </a:schemeClr>
+            </a:gs>
+          </a:gsLst>
+          <a:lin ang="16200000" scaled="0"/>
+        </a:gradFill>
+      </a:fillStyleLst>
+      <a:lnStyleLst>
+        <a:ln w="9525" cap="flat" cmpd="sng" algn="ctr">
+          <a:solidFill>
+            <a:schemeClr val="phClr">
+              <a:shade val="95000"/>
+              <a:satMod val="105000"/>
+            </a:schemeClr>
+          </a:solidFill>
+          <a:prstDash val="solid"/>
+        </a:ln>
+        <a:ln w="25400" cap="flat" cmpd="sng" algn="ctr">
+          <a:solidFill>
+            <a:schemeClr val="phClr"/>
+          </a:solidFill>
+          <a:prstDash val="solid"/>
+        </a:ln>
+        <a:ln w="38100" cap="flat" cmpd="sng" algn="ctr">
+          <a:solidFill>
+            <a:schemeClr val="phClr"/>
+          </a:solidFill>
+          <a:prstDash val="solid"/>
+        </a:ln>
+      </a:lnStyleLst>
+      <a:effectStyleLst>
+        <a:effectStyle>
+          <a:effectLst>
+            <a:outerShdw blurRad="40000" dist="20000" dir="5400000" rotWithShape="0">
+              <a:srgbClr val="000000">
+                <a:alpha val="38000"/>
+              </a:srgbClr>
+            </a:outerShdw>
+          </a:effectLst>
+        </a:effectStyle>
+        <a:effectStyle>
+          <a:effectLst>
+            <a:outerShdw blurRad="40000" dist="23000" dir="5400000" rotWithShape="0">
+              <a:srgbClr val="000000">
+                <a:alpha val="35000"/>
+              </a:srgbClr>
+            </a:outerShdw>
+          </a:effectLst>
+        </a:effectStyle>
+        <a:effectStyle>
+          <a:effectLst>
+            <a:outerShdw blurRad="40000" dist="23000" dir="5400000" rotWithShape="0">
+              <a:srgbClr val="000000">
+                <a:alpha val="35000"/>
+              </a:srgbClr>
+            </a:outerShdw>
+          </a:effectLst>
+          <a:scene3d>
+            <a:camera prst="orthographicFront">
+              <a:rot lat="0" lon="0" rev="0"/>
+            </a:camera>
+            <a:lightRig rig="threePt" dir="t">
+              <a:rot lat="0" lon="0" rev="1200000"/>
+            </a:lightRig>
+          </a:scene3d>
+          <a:sp3d>
+            <a:bevelT w="63500" h="25400"/>
+          </a:sp3d>
+        </a:effectStyle>
+      </a:effectStyleLst>
+      <a:bgFillStyleLst>
+        <a:solidFill>
+          <a:schemeClr val="phClr"/>
+        </a:solidFill>
+        <a:gradFill rotWithShape="1">
+          <a:gsLst>
+            <a:gs pos="0">
+              <a:schemeClr val="phClr">
+                <a:tint val="40000"/>
+                <a:satMod val="350000"/>
+              </a:schemeClr>
+            </a:gs>
+            <a:gs pos="40000">
+              <a:schemeClr val="phClr">
+                <a:tint val="45000"/>
+                <a:shade val="99000"/>
+                <a:satMod val="350000"/>
+              </a:schemeClr>
+            </a:gs>
+            <a:gs pos="100000">
+              <a:schemeClr val="phClr">
+                <a:shade val="20000"/>
+                <a:satMod val="255000"/>
+              </a:schemeClr>
+            </a:gs>
+          </a:gsLst>
+          <a:path path="circle">
+            <a:fillToRect l="50000" t="-80000" r="50000" b="180000"/>
+          </a:path>
+        </a:gradFill>
+        <a:gradFill rotWithShape="1">
+          <a:gsLst>
+            <a:gs pos="0">
+              <a:schemeClr val="phClr">
+                <a:tint val="80000"/>
+                <a:satMod val="300000"/>
+              </a:schemeClr>
+            </a:gs>
+            <a:gs pos="100000">
+              <a:schemeClr val="phClr">
+                <a:shade val="30000"/>
+                <a:satMod val="200000"/>
+              </a:schemeClr>
+            </a:gs>
+          </a:gsLst>
+          <a:path path="circle">
+            <a:fillToRect l="50000" t="50000" r="50000" b="50000"/>
+          </a:path>
+        </a:gradFill>
+      </a:bgFillStyleLst>
+    </a:fmtScheme>
+  </a:themeElements>
+</a:theme>
+</file>
+
+<file path=ppt/theme/theme2.xml><?xml version="1.0" encoding="utf-8"?>
 <a:theme xmlns:a="http://schemas.openxmlformats.org/drawingml/2006/main" xmlns:r="http://schemas.openxmlformats.org/officeDocument/2006/relationships" name="simple-dark-2">
   <a:themeElements>
     <a:clrScheme name="Simple Dark">
@@ -6695,283 +9774,4 @@
     </a:fmtScheme>
   </a:themeElements>
 </a:theme>
-</file>
-
-<file path=ppt/theme/theme2.xml><?xml version="1.0" encoding="utf-8"?>
-<a:theme xmlns:a="http://schemas.openxmlformats.org/drawingml/2006/main" xmlns:r="http://schemas.openxmlformats.org/officeDocument/2006/relationships" name="Custom Theme">
-  <a:themeElements>
-    <a:clrScheme name="Default">
-      <a:dk1>
-        <a:srgbClr val="000000"/>
-      </a:dk1>
-      <a:lt1>
-        <a:srgbClr val="FFFFFF"/>
-      </a:lt1>
-      <a:dk2>
-        <a:srgbClr val="158158"/>
-      </a:dk2>
-      <a:lt2>
-        <a:srgbClr val="F3F3F3"/>
-      </a:lt2>
-      <a:accent1>
-        <a:srgbClr val="058DC7"/>
-      </a:accent1>
-      <a:accent2>
-        <a:srgbClr val="50B432"/>
-      </a:accent2>
-      <a:accent3>
-        <a:srgbClr val="ED561B"/>
-      </a:accent3>
-      <a:accent4>
-        <a:srgbClr val="EDEF00"/>
-      </a:accent4>
-      <a:accent5>
-        <a:srgbClr val="24CBE5"/>
-      </a:accent5>
-      <a:accent6>
-        <a:srgbClr val="64E572"/>
-      </a:accent6>
-      <a:hlink>
-        <a:srgbClr val="2200CC"/>
-      </a:hlink>
-      <a:folHlink>
-        <a:srgbClr val="551A8B"/>
-      </a:folHlink>
-    </a:clrScheme>
-    <a:fontScheme name="Office">
-      <a:majorFont>
-        <a:latin typeface="Arial"/>
-        <a:ea typeface=""/>
-        <a:cs typeface=""/>
-        <a:font script="Jpan" typeface="ＭＳ Ｐゴシック"/>
-        <a:font script="Hang" typeface="맑은 고딕"/>
-        <a:font script="Hans" typeface="宋体"/>
-        <a:font script="Hant" typeface="新細明體"/>
-        <a:font script="Arab" typeface="Times New Roman"/>
-        <a:font script="Hebr" typeface="Times New Roman"/>
-        <a:font script="Thai" typeface="Angsana New"/>
-        <a:font script="Ethi" typeface="Nyala"/>
-        <a:font script="Beng" typeface="Vrinda"/>
-        <a:font script="Gujr" typeface="Shruti"/>
-        <a:font script="Khmr" typeface="MoolBoran"/>
-        <a:font script="Knda" typeface="Tunga"/>
-        <a:font script="Guru" typeface="Raavi"/>
-        <a:font script="Cans" typeface="Euphemia"/>
-        <a:font script="Cher" typeface="Plantagenet Cherokee"/>
-        <a:font script="Yiii" typeface="Microsoft Yi Baiti"/>
-        <a:font script="Tibt" typeface="Microsoft Himalaya"/>
-        <a:font script="Thaa" typeface="MV Boli"/>
-        <a:font script="Deva" typeface="Mangal"/>
-        <a:font script="Telu" typeface="Gautami"/>
-        <a:font script="Taml" typeface="Latha"/>
-        <a:font script="Syrc" typeface="Estrangelo Edessa"/>
-        <a:font script="Orya" typeface="Kalinga"/>
-        <a:font script="Mlym" typeface="Kartika"/>
-        <a:font script="Laoo" typeface="DokChampa"/>
-        <a:font script="Sinh" typeface="Iskoola Pota"/>
-        <a:font script="Mong" typeface="Mongolian Baiti"/>
-        <a:font script="Viet" typeface="Times New Roman"/>
-        <a:font script="Uigh" typeface="Microsoft Uighur"/>
-        <a:font script="Geor" typeface="Sylfaen"/>
-      </a:majorFont>
-      <a:minorFont>
-        <a:latin typeface="Arial"/>
-        <a:ea typeface=""/>
-        <a:cs typeface=""/>
-        <a:font script="Jpan" typeface="ＭＳ Ｐゴシック"/>
-        <a:font script="Hang" typeface="맑은 고딕"/>
-        <a:font script="Hans" typeface="宋体"/>
-        <a:font script="Hant" typeface="新細明體"/>
-        <a:font script="Arab" typeface="Arial"/>
-        <a:font script="Hebr" typeface="Arial"/>
-        <a:font script="Thai" typeface="Cordia New"/>
-        <a:font script="Ethi" typeface="Nyala"/>
-        <a:font script="Beng" typeface="Vrinda"/>
-        <a:font script="Gujr" typeface="Shruti"/>
-        <a:font script="Khmr" typeface="DaunPenh"/>
-        <a:font script="Knda" typeface="Tunga"/>
-        <a:font script="Guru" typeface="Raavi"/>
-        <a:font script="Cans" typeface="Euphemia"/>
-        <a:font script="Cher" typeface="Plantagenet Cherokee"/>
-        <a:font script="Yiii" typeface="Microsoft Yi Baiti"/>
-        <a:font script="Tibt" typeface="Microsoft Himalaya"/>
-        <a:font script="Thaa" typeface="MV Boli"/>
-        <a:font script="Deva" typeface="Mangal"/>
-        <a:font script="Telu" typeface="Gautami"/>
-        <a:font script="Taml" typeface="Latha"/>
-        <a:font script="Syrc" typeface="Estrangelo Edessa"/>
-        <a:font script="Orya" typeface="Kalinga"/>
-        <a:font script="Mlym" typeface="Kartika"/>
-        <a:font script="Laoo" typeface="DokChampa"/>
-        <a:font script="Sinh" typeface="Iskoola Pota"/>
-        <a:font script="Mong" typeface="Mongolian Baiti"/>
-        <a:font script="Viet" typeface="Arial"/>
-        <a:font script="Uigh" typeface="Microsoft Uighur"/>
-        <a:font script="Geor" typeface="Sylfaen"/>
-      </a:minorFont>
-    </a:fontScheme>
-    <a:fmtScheme name="Office">
-      <a:fillStyleLst>
-        <a:solidFill>
-          <a:schemeClr val="phClr"/>
-        </a:solidFill>
-        <a:gradFill rotWithShape="1">
-          <a:gsLst>
-            <a:gs pos="0">
-              <a:schemeClr val="phClr">
-                <a:tint val="50000"/>
-                <a:satMod val="300000"/>
-              </a:schemeClr>
-            </a:gs>
-            <a:gs pos="35000">
-              <a:schemeClr val="phClr">
-                <a:tint val="37000"/>
-                <a:satMod val="300000"/>
-              </a:schemeClr>
-            </a:gs>
-            <a:gs pos="100000">
-              <a:schemeClr val="phClr">
-                <a:tint val="15000"/>
-                <a:satMod val="350000"/>
-              </a:schemeClr>
-            </a:gs>
-          </a:gsLst>
-          <a:lin ang="16200000" scaled="1"/>
-        </a:gradFill>
-        <a:gradFill rotWithShape="1">
-          <a:gsLst>
-            <a:gs pos="0">
-              <a:schemeClr val="phClr">
-                <a:tint val="100000"/>
-                <a:shade val="100000"/>
-                <a:satMod val="130000"/>
-              </a:schemeClr>
-            </a:gs>
-            <a:gs pos="100000">
-              <a:schemeClr val="phClr">
-                <a:tint val="50000"/>
-                <a:shade val="100000"/>
-                <a:satMod val="350000"/>
-              </a:schemeClr>
-            </a:gs>
-          </a:gsLst>
-          <a:lin ang="16200000" scaled="0"/>
-        </a:gradFill>
-      </a:fillStyleLst>
-      <a:lnStyleLst>
-        <a:ln w="9525" cap="flat" cmpd="sng" algn="ctr">
-          <a:solidFill>
-            <a:schemeClr val="phClr">
-              <a:shade val="95000"/>
-              <a:satMod val="105000"/>
-            </a:schemeClr>
-          </a:solidFill>
-          <a:prstDash val="solid"/>
-        </a:ln>
-        <a:ln w="25400" cap="flat" cmpd="sng" algn="ctr">
-          <a:solidFill>
-            <a:schemeClr val="phClr"/>
-          </a:solidFill>
-          <a:prstDash val="solid"/>
-        </a:ln>
-        <a:ln w="38100" cap="flat" cmpd="sng" algn="ctr">
-          <a:solidFill>
-            <a:schemeClr val="phClr"/>
-          </a:solidFill>
-          <a:prstDash val="solid"/>
-        </a:ln>
-      </a:lnStyleLst>
-      <a:effectStyleLst>
-        <a:effectStyle>
-          <a:effectLst>
-            <a:outerShdw blurRad="40000" dist="20000" dir="5400000" rotWithShape="0">
-              <a:srgbClr val="000000">
-                <a:alpha val="38000"/>
-              </a:srgbClr>
-            </a:outerShdw>
-          </a:effectLst>
-        </a:effectStyle>
-        <a:effectStyle>
-          <a:effectLst>
-            <a:outerShdw blurRad="40000" dist="23000" dir="5400000" rotWithShape="0">
-              <a:srgbClr val="000000">
-                <a:alpha val="35000"/>
-              </a:srgbClr>
-            </a:outerShdw>
-          </a:effectLst>
-        </a:effectStyle>
-        <a:effectStyle>
-          <a:effectLst>
-            <a:outerShdw blurRad="40000" dist="23000" dir="5400000" rotWithShape="0">
-              <a:srgbClr val="000000">
-                <a:alpha val="35000"/>
-              </a:srgbClr>
-            </a:outerShdw>
-          </a:effectLst>
-          <a:scene3d>
-            <a:camera prst="orthographicFront">
-              <a:rot lat="0" lon="0" rev="0"/>
-            </a:camera>
-            <a:lightRig rig="threePt" dir="t">
-              <a:rot lat="0" lon="0" rev="1200000"/>
-            </a:lightRig>
-          </a:scene3d>
-          <a:sp3d>
-            <a:bevelT w="63500" h="25400"/>
-          </a:sp3d>
-        </a:effectStyle>
-      </a:effectStyleLst>
-      <a:bgFillStyleLst>
-        <a:solidFill>
-          <a:schemeClr val="phClr"/>
-        </a:solidFill>
-        <a:gradFill rotWithShape="1">
-          <a:gsLst>
-            <a:gs pos="0">
-              <a:schemeClr val="phClr">
-                <a:tint val="40000"/>
-                <a:satMod val="350000"/>
-              </a:schemeClr>
-            </a:gs>
-            <a:gs pos="40000">
-              <a:schemeClr val="phClr">
-                <a:tint val="45000"/>
-                <a:shade val="99000"/>
-                <a:satMod val="350000"/>
-              </a:schemeClr>
-            </a:gs>
-            <a:gs pos="100000">
-              <a:schemeClr val="phClr">
-                <a:shade val="20000"/>
-                <a:satMod val="255000"/>
-              </a:schemeClr>
-            </a:gs>
-          </a:gsLst>
-          <a:path path="circle">
-            <a:fillToRect l="50000" t="-80000" r="50000" b="180000"/>
-          </a:path>
-        </a:gradFill>
-        <a:gradFill rotWithShape="1">
-          <a:gsLst>
-            <a:gs pos="0">
-              <a:schemeClr val="phClr">
-                <a:tint val="80000"/>
-                <a:satMod val="300000"/>
-              </a:schemeClr>
-            </a:gs>
-            <a:gs pos="100000">
-              <a:schemeClr val="phClr">
-                <a:shade val="30000"/>
-                <a:satMod val="200000"/>
-              </a:schemeClr>
-            </a:gs>
-          </a:gsLst>
-          <a:path path="circle">
-            <a:fillToRect l="50000" t="50000" r="50000" b="50000"/>
-          </a:path>
-        </a:gradFill>
-      </a:bgFillStyleLst>
-    </a:fmtScheme>
-  </a:themeElements>
-</a:theme>
 </file>